--- a/Functional-javascript.pptx
+++ b/Functional-javascript.pptx
@@ -145,6 +145,11 @@
       </a:defRPr>
     </a:lvl9pPr>
   </p:defaultTextStyle>
+  <p:extLst>
+    <p:ext uri="{EFAFB233-063F-42B5-8137-9DF3F51BA10A}">
+      <p15:sldGuideLst xmlns:p15="http://schemas.microsoft.com/office/powerpoint/2012/main"/>
+    </p:ext>
+  </p:extLst>
 </p:presentation>
 </file>
 
@@ -279,7 +284,7 @@
           <a:p>
             <a:fld id="{71FDA50E-80C6-4B0C-A240-6C36AB6E165E}" type="datetimeFigureOut">
               <a:rPr lang="en-US" smtClean="0"/>
-              <a:t>7/27/2014</a:t>
+              <a:t>7/28/2014</a:t>
             </a:fld>
             <a:endParaRPr lang="en-US"/>
           </a:p>
@@ -449,7 +454,7 @@
           <a:p>
             <a:fld id="{71FDA50E-80C6-4B0C-A240-6C36AB6E165E}" type="datetimeFigureOut">
               <a:rPr lang="en-US" smtClean="0"/>
-              <a:t>7/27/2014</a:t>
+              <a:t>7/28/2014</a:t>
             </a:fld>
             <a:endParaRPr lang="en-US"/>
           </a:p>
@@ -629,7 +634,7 @@
           <a:p>
             <a:fld id="{71FDA50E-80C6-4B0C-A240-6C36AB6E165E}" type="datetimeFigureOut">
               <a:rPr lang="en-US" smtClean="0"/>
-              <a:t>7/27/2014</a:t>
+              <a:t>7/28/2014</a:t>
             </a:fld>
             <a:endParaRPr lang="en-US"/>
           </a:p>
@@ -799,7 +804,7 @@
           <a:p>
             <a:fld id="{71FDA50E-80C6-4B0C-A240-6C36AB6E165E}" type="datetimeFigureOut">
               <a:rPr lang="en-US" smtClean="0"/>
-              <a:t>7/27/2014</a:t>
+              <a:t>7/28/2014</a:t>
             </a:fld>
             <a:endParaRPr lang="en-US"/>
           </a:p>
@@ -1045,7 +1050,7 @@
           <a:p>
             <a:fld id="{71FDA50E-80C6-4B0C-A240-6C36AB6E165E}" type="datetimeFigureOut">
               <a:rPr lang="en-US" smtClean="0"/>
-              <a:t>7/27/2014</a:t>
+              <a:t>7/28/2014</a:t>
             </a:fld>
             <a:endParaRPr lang="en-US"/>
           </a:p>
@@ -1277,7 +1282,7 @@
           <a:p>
             <a:fld id="{71FDA50E-80C6-4B0C-A240-6C36AB6E165E}" type="datetimeFigureOut">
               <a:rPr lang="en-US" smtClean="0"/>
-              <a:t>7/27/2014</a:t>
+              <a:t>7/28/2014</a:t>
             </a:fld>
             <a:endParaRPr lang="en-US"/>
           </a:p>
@@ -1644,7 +1649,7 @@
           <a:p>
             <a:fld id="{71FDA50E-80C6-4B0C-A240-6C36AB6E165E}" type="datetimeFigureOut">
               <a:rPr lang="en-US" smtClean="0"/>
-              <a:t>7/27/2014</a:t>
+              <a:t>7/28/2014</a:t>
             </a:fld>
             <a:endParaRPr lang="en-US"/>
           </a:p>
@@ -1762,7 +1767,7 @@
           <a:p>
             <a:fld id="{71FDA50E-80C6-4B0C-A240-6C36AB6E165E}" type="datetimeFigureOut">
               <a:rPr lang="en-US" smtClean="0"/>
-              <a:t>7/27/2014</a:t>
+              <a:t>7/28/2014</a:t>
             </a:fld>
             <a:endParaRPr lang="en-US"/>
           </a:p>
@@ -1857,7 +1862,7 @@
           <a:p>
             <a:fld id="{71FDA50E-80C6-4B0C-A240-6C36AB6E165E}" type="datetimeFigureOut">
               <a:rPr lang="en-US" smtClean="0"/>
-              <a:t>7/27/2014</a:t>
+              <a:t>7/28/2014</a:t>
             </a:fld>
             <a:endParaRPr lang="en-US"/>
           </a:p>
@@ -2134,7 +2139,7 @@
           <a:p>
             <a:fld id="{71FDA50E-80C6-4B0C-A240-6C36AB6E165E}" type="datetimeFigureOut">
               <a:rPr lang="en-US" smtClean="0"/>
-              <a:t>7/27/2014</a:t>
+              <a:t>7/28/2014</a:t>
             </a:fld>
             <a:endParaRPr lang="en-US"/>
           </a:p>
@@ -2387,7 +2392,7 @@
           <a:p>
             <a:fld id="{71FDA50E-80C6-4B0C-A240-6C36AB6E165E}" type="datetimeFigureOut">
               <a:rPr lang="en-US" smtClean="0"/>
-              <a:t>7/27/2014</a:t>
+              <a:t>7/28/2014</a:t>
             </a:fld>
             <a:endParaRPr lang="en-US"/>
           </a:p>
@@ -2600,7 +2605,7 @@
           <a:p>
             <a:fld id="{71FDA50E-80C6-4B0C-A240-6C36AB6E165E}" type="datetimeFigureOut">
               <a:rPr lang="en-US" smtClean="0"/>
-              <a:t>7/27/2014</a:t>
+              <a:t>7/28/2014</a:t>
             </a:fld>
             <a:endParaRPr lang="en-US"/>
           </a:p>
@@ -3047,10 +3052,26 @@
           </a:lstStyle>
           <a:p>
             <a:r>
-              <a:rPr lang="en-US" sz="3600" b="1" dirty="0" smtClean="0"/>
+              <a:rPr lang="en-US" sz="3600" b="1" dirty="0" smtClean="0">
+                <a:effectLst>
+                  <a:outerShdw blurRad="38100" dist="38100" dir="2700000" algn="tl">
+                    <a:srgbClr val="000000">
+                      <a:alpha val="43137"/>
+                    </a:srgbClr>
+                  </a:outerShdw>
+                </a:effectLst>
+              </a:rPr>
               <a:t>Functional JavaScript</a:t>
             </a:r>
-            <a:endParaRPr lang="en-US" sz="3600" b="1" dirty="0"/>
+            <a:endParaRPr lang="en-US" sz="3600" b="1" dirty="0">
+              <a:effectLst>
+                <a:outerShdw blurRad="38100" dist="38100" dir="2700000" algn="tl">
+                  <a:srgbClr val="000000">
+                    <a:alpha val="43137"/>
+                  </a:srgbClr>
+                </a:outerShdw>
+              </a:effectLst>
+            </a:endParaRPr>
           </a:p>
         </p:txBody>
       </p:sp>
@@ -3064,8 +3085,8 @@
         </p:nvSpPr>
         <p:spPr>
           <a:xfrm>
-            <a:off x="1287052" y="1432577"/>
-            <a:ext cx="9692640" cy="975707"/>
+            <a:off x="387229" y="3145808"/>
+            <a:ext cx="3127070" cy="422535"/>
           </a:xfrm>
           <a:prstGeom prst="rect">
             <a:avLst/>
@@ -3096,10 +3117,143 @@
           </a:lstStyle>
           <a:p>
             <a:r>
-              <a:rPr lang="en-US" sz="2000" dirty="0" smtClean="0"/>
-              <a:t>Twitter: @djidja8</a:t>
-            </a:r>
-            <a:endParaRPr lang="en-US" sz="2000" dirty="0"/>
+              <a:rPr lang="en-US" sz="1800" dirty="0" smtClean="0">
+                <a:effectLst>
+                  <a:outerShdw blurRad="38100" dist="38100" dir="2700000" algn="tl">
+                    <a:srgbClr val="000000">
+                      <a:alpha val="43137"/>
+                    </a:srgbClr>
+                  </a:outerShdw>
+                </a:effectLst>
+                <a:latin typeface="+mn-lt"/>
+                <a:ea typeface="+mn-ea"/>
+                <a:cs typeface="+mn-cs"/>
+              </a:rPr>
+              <a:t>Follow me twitter</a:t>
+            </a:r>
+            <a:r>
+              <a:rPr lang="en-US" sz="1800" dirty="0">
+                <a:effectLst>
+                  <a:outerShdw blurRad="38100" dist="38100" dir="2700000" algn="tl">
+                    <a:srgbClr val="000000">
+                      <a:alpha val="43137"/>
+                    </a:srgbClr>
+                  </a:outerShdw>
+                </a:effectLst>
+                <a:latin typeface="+mn-lt"/>
+                <a:ea typeface="+mn-ea"/>
+                <a:cs typeface="+mn-cs"/>
+              </a:rPr>
+              <a:t>: @djidja8</a:t>
+            </a:r>
+            <a:endParaRPr lang="en-US" sz="1800" dirty="0">
+              <a:effectLst>
+                <a:outerShdw blurRad="38100" dist="38100" dir="2700000" algn="tl">
+                  <a:srgbClr val="000000">
+                    <a:alpha val="43137"/>
+                  </a:srgbClr>
+                </a:outerShdw>
+              </a:effectLst>
+              <a:latin typeface="+mn-lt"/>
+              <a:ea typeface="+mn-ea"/>
+              <a:cs typeface="+mn-cs"/>
+            </a:endParaRPr>
+          </a:p>
+        </p:txBody>
+      </p:sp>
+      <p:sp>
+        <p:nvSpPr>
+          <p:cNvPr id="4" name="Rectangle 3"/>
+          <p:cNvSpPr/>
+          <p:nvPr/>
+        </p:nvSpPr>
+        <p:spPr>
+          <a:xfrm>
+            <a:off x="373581" y="3568343"/>
+            <a:ext cx="5093702" cy="400110"/>
+          </a:xfrm>
+          <a:prstGeom prst="rect">
+            <a:avLst/>
+          </a:prstGeom>
+        </p:spPr>
+        <p:txBody>
+          <a:bodyPr wrap="none">
+            <a:spAutoFit/>
+          </a:bodyPr>
+          <a:lstStyle/>
+          <a:p>
+            <a:pPr algn="ctr"/>
+            <a:r>
+              <a:rPr lang="en-US" dirty="0" smtClean="0">
+                <a:effectLst>
+                  <a:outerShdw blurRad="38100" dist="38100" dir="2700000" algn="tl">
+                    <a:srgbClr val="000000">
+                      <a:alpha val="43137"/>
+                    </a:srgbClr>
+                  </a:outerShdw>
+                </a:effectLst>
+              </a:rPr>
+              <a:t>This deck </a:t>
+            </a:r>
+            <a:r>
+              <a:rPr lang="en-US" sz="2000" dirty="0" smtClean="0">
+                <a:effectLst>
+                  <a:outerShdw blurRad="38100" dist="38100" dir="2700000" algn="tl">
+                    <a:srgbClr val="000000">
+                      <a:alpha val="43137"/>
+                    </a:srgbClr>
+                  </a:outerShdw>
+                </a:effectLst>
+              </a:rPr>
+              <a:t>online</a:t>
+            </a:r>
+            <a:r>
+              <a:rPr lang="en-US" dirty="0" smtClean="0">
+                <a:effectLst>
+                  <a:outerShdw blurRad="38100" dist="38100" dir="2700000" algn="tl">
+                    <a:srgbClr val="000000">
+                      <a:alpha val="43137"/>
+                    </a:srgbClr>
+                  </a:outerShdw>
+                </a:effectLst>
+              </a:rPr>
+              <a:t> with live code editing: </a:t>
+            </a:r>
+            <a:r>
+              <a:rPr lang="en-US" dirty="0" smtClean="0">
+                <a:effectLst>
+                  <a:outerShdw blurRad="38100" dist="38100" dir="2700000" algn="tl">
+                    <a:srgbClr val="000000">
+                      <a:alpha val="43137"/>
+                    </a:srgbClr>
+                  </a:outerShdw>
+                </a:effectLst>
+                <a:hlinkClick r:id="rId2"/>
+              </a:rPr>
+              <a:t>functional-</a:t>
+            </a:r>
+            <a:r>
+              <a:rPr lang="en-US" dirty="0" err="1" smtClean="0">
+                <a:effectLst>
+                  <a:outerShdw blurRad="38100" dist="38100" dir="2700000" algn="tl">
+                    <a:srgbClr val="000000">
+                      <a:alpha val="43137"/>
+                    </a:srgbClr>
+                  </a:outerShdw>
+                </a:effectLst>
+                <a:hlinkClick r:id="rId2"/>
+              </a:rPr>
+              <a:t>js</a:t>
+            </a:r>
+            <a:endParaRPr lang="en-US" dirty="0">
+              <a:effectLst>
+                <a:outerShdw blurRad="38100" dist="38100" dir="2700000" algn="tl">
+                  <a:srgbClr val="000000">
+                    <a:alpha val="43137"/>
+                  </a:srgbClr>
+                </a:outerShdw>
+              </a:effectLst>
+            </a:endParaRPr>
           </a:p>
         </p:txBody>
       </p:sp>
@@ -3182,65 +3336,38 @@
           </a:lstStyle>
           <a:p>
             <a:r>
-              <a:rPr lang="en-US" sz="3600" b="1" dirty="0" smtClean="0"/>
-              <a:t>JavaScript Overview</a:t>
-            </a:r>
-            <a:endParaRPr lang="en-US" sz="3600" b="1" dirty="0"/>
-          </a:p>
-        </p:txBody>
-      </p:sp>
-      <p:sp>
-        <p:nvSpPr>
-          <p:cNvPr id="6" name="Title 1"/>
-          <p:cNvSpPr txBox="1">
-            <a:spLocks/>
-          </p:cNvSpPr>
-          <p:nvPr/>
-        </p:nvSpPr>
-        <p:spPr>
-          <a:xfrm>
-            <a:off x="7544728" y="-44330"/>
-            <a:ext cx="2219475" cy="630440"/>
-          </a:xfrm>
-          <a:prstGeom prst="rect">
-            <a:avLst/>
-          </a:prstGeom>
-        </p:spPr>
-        <p:txBody>
-          <a:bodyPr vert="horz" lIns="91440" tIns="45720" rIns="91440" bIns="45720" rtlCol="0" anchor="b">
-            <a:normAutofit/>
-          </a:bodyPr>
-          <a:lstStyle>
-            <a:lvl1pPr algn="l" defTabSz="914400" rtl="0" eaLnBrk="1" latinLnBrk="0" hangingPunct="1">
-              <a:lnSpc>
-                <a:spcPct val="85000"/>
-              </a:lnSpc>
-              <a:spcBef>
-                <a:spcPct val="0"/>
-              </a:spcBef>
-              <a:buNone/>
-              <a:defRPr sz="7200" kern="1200" spc="-50" baseline="0">
-                <a:solidFill>
-                  <a:schemeClr val="tx1"/>
-                </a:solidFill>
-                <a:latin typeface="+mj-lt"/>
-                <a:ea typeface="+mj-ea"/>
-                <a:cs typeface="+mj-cs"/>
-              </a:defRPr>
-            </a:lvl1pPr>
-          </a:lstStyle>
-          <a:p>
-            <a:pPr marL="342900" indent="-342900">
-              <a:lnSpc>
-                <a:spcPct val="150000"/>
-              </a:lnSpc>
-              <a:buFont typeface="Wingdings" panose="05000000000000000000" pitchFamily="2" charset="2"/>
-              <a:buChar char="§"/>
-            </a:pPr>
-            <a:r>
-              <a:rPr lang="en-US" sz="2000" dirty="0" smtClean="0"/>
-              <a:t>Inheritance</a:t>
-            </a:r>
+              <a:rPr lang="en-US" sz="3600" b="1" dirty="0" smtClean="0">
+                <a:effectLst>
+                  <a:outerShdw blurRad="38100" dist="38100" dir="2700000" algn="tl">
+                    <a:srgbClr val="000000">
+                      <a:alpha val="43137"/>
+                    </a:srgbClr>
+                  </a:outerShdw>
+                </a:effectLst>
+              </a:rPr>
+              <a:t>JavaScript </a:t>
+            </a:r>
+            <a:r>
+              <a:rPr lang="en-US" sz="3600" b="1" dirty="0" smtClean="0">
+                <a:effectLst>
+                  <a:outerShdw blurRad="38100" dist="38100" dir="2700000" algn="tl">
+                    <a:srgbClr val="000000">
+                      <a:alpha val="43137"/>
+                    </a:srgbClr>
+                  </a:outerShdw>
+                </a:effectLst>
+              </a:rPr>
+              <a:t>Overview - Inheritance</a:t>
+            </a:r>
+            <a:endParaRPr lang="en-US" sz="3600" b="1" dirty="0">
+              <a:effectLst>
+                <a:outerShdw blurRad="38100" dist="38100" dir="2700000" algn="tl">
+                  <a:srgbClr val="000000">
+                    <a:alpha val="43137"/>
+                  </a:srgbClr>
+                </a:outerShdw>
+              </a:effectLst>
+            </a:endParaRPr>
           </a:p>
         </p:txBody>
       </p:sp>
@@ -3353,65 +3480,38 @@
           </a:lstStyle>
           <a:p>
             <a:r>
-              <a:rPr lang="en-US" sz="3600" b="1" dirty="0" smtClean="0"/>
-              <a:t>JavaScript Overview</a:t>
-            </a:r>
-            <a:endParaRPr lang="en-US" sz="3600" b="1" dirty="0"/>
-          </a:p>
-        </p:txBody>
-      </p:sp>
-      <p:sp>
-        <p:nvSpPr>
-          <p:cNvPr id="6" name="Title 1"/>
-          <p:cNvSpPr txBox="1">
-            <a:spLocks/>
-          </p:cNvSpPr>
-          <p:nvPr/>
-        </p:nvSpPr>
-        <p:spPr>
-          <a:xfrm>
-            <a:off x="7544728" y="-44330"/>
-            <a:ext cx="2219475" cy="630440"/>
-          </a:xfrm>
-          <a:prstGeom prst="rect">
-            <a:avLst/>
-          </a:prstGeom>
-        </p:spPr>
-        <p:txBody>
-          <a:bodyPr vert="horz" lIns="91440" tIns="45720" rIns="91440" bIns="45720" rtlCol="0" anchor="b">
-            <a:normAutofit/>
-          </a:bodyPr>
-          <a:lstStyle>
-            <a:lvl1pPr algn="l" defTabSz="914400" rtl="0" eaLnBrk="1" latinLnBrk="0" hangingPunct="1">
-              <a:lnSpc>
-                <a:spcPct val="85000"/>
-              </a:lnSpc>
-              <a:spcBef>
-                <a:spcPct val="0"/>
-              </a:spcBef>
-              <a:buNone/>
-              <a:defRPr sz="7200" kern="1200" spc="-50" baseline="0">
-                <a:solidFill>
-                  <a:schemeClr val="tx1"/>
-                </a:solidFill>
-                <a:latin typeface="+mj-lt"/>
-                <a:ea typeface="+mj-ea"/>
-                <a:cs typeface="+mj-cs"/>
-              </a:defRPr>
-            </a:lvl1pPr>
-          </a:lstStyle>
-          <a:p>
-            <a:pPr marL="342900" indent="-342900">
-              <a:lnSpc>
-                <a:spcPct val="150000"/>
-              </a:lnSpc>
-              <a:buFont typeface="Wingdings" panose="05000000000000000000" pitchFamily="2" charset="2"/>
-              <a:buChar char="§"/>
-            </a:pPr>
-            <a:r>
-              <a:rPr lang="en-US" sz="2000" b="1" dirty="0" smtClean="0"/>
-              <a:t>Inheritance</a:t>
-            </a:r>
+              <a:rPr lang="en-US" sz="3600" b="1" dirty="0" smtClean="0">
+                <a:effectLst>
+                  <a:outerShdw blurRad="38100" dist="38100" dir="2700000" algn="tl">
+                    <a:srgbClr val="000000">
+                      <a:alpha val="43137"/>
+                    </a:srgbClr>
+                  </a:outerShdw>
+                </a:effectLst>
+              </a:rPr>
+              <a:t>JavaScript </a:t>
+            </a:r>
+            <a:r>
+              <a:rPr lang="en-US" sz="3600" b="1" dirty="0" smtClean="0">
+                <a:effectLst>
+                  <a:outerShdw blurRad="38100" dist="38100" dir="2700000" algn="tl">
+                    <a:srgbClr val="000000">
+                      <a:alpha val="43137"/>
+                    </a:srgbClr>
+                  </a:outerShdw>
+                </a:effectLst>
+              </a:rPr>
+              <a:t>Overview - Inheritance</a:t>
+            </a:r>
+            <a:endParaRPr lang="en-US" sz="3600" b="1" dirty="0">
+              <a:effectLst>
+                <a:outerShdw blurRad="38100" dist="38100" dir="2700000" algn="tl">
+                  <a:srgbClr val="000000">
+                    <a:alpha val="43137"/>
+                  </a:srgbClr>
+                </a:outerShdw>
+              </a:effectLst>
+            </a:endParaRPr>
           </a:p>
         </p:txBody>
       </p:sp>
@@ -3437,8 +3537,8 @@
         </p:blipFill>
         <p:spPr>
           <a:xfrm>
-            <a:off x="387229" y="931377"/>
-            <a:ext cx="9794469" cy="5021892"/>
+            <a:off x="387230" y="931377"/>
+            <a:ext cx="9692640" cy="4969681"/>
           </a:xfrm>
           <a:prstGeom prst="rect">
             <a:avLst/>
@@ -3524,65 +3624,38 @@
           </a:lstStyle>
           <a:p>
             <a:r>
-              <a:rPr lang="en-US" sz="3600" b="1" dirty="0" smtClean="0"/>
-              <a:t>JavaScript Overview</a:t>
-            </a:r>
-            <a:endParaRPr lang="en-US" sz="3600" b="1" dirty="0"/>
-          </a:p>
-        </p:txBody>
-      </p:sp>
-      <p:sp>
-        <p:nvSpPr>
-          <p:cNvPr id="6" name="Title 1"/>
-          <p:cNvSpPr txBox="1">
-            <a:spLocks/>
-          </p:cNvSpPr>
-          <p:nvPr/>
-        </p:nvSpPr>
-        <p:spPr>
-          <a:xfrm>
-            <a:off x="7544728" y="-44330"/>
-            <a:ext cx="2219475" cy="630440"/>
-          </a:xfrm>
-          <a:prstGeom prst="rect">
-            <a:avLst/>
-          </a:prstGeom>
-        </p:spPr>
-        <p:txBody>
-          <a:bodyPr vert="horz" lIns="91440" tIns="45720" rIns="91440" bIns="45720" rtlCol="0" anchor="b">
-            <a:normAutofit/>
-          </a:bodyPr>
-          <a:lstStyle>
-            <a:lvl1pPr algn="l" defTabSz="914400" rtl="0" eaLnBrk="1" latinLnBrk="0" hangingPunct="1">
-              <a:lnSpc>
-                <a:spcPct val="85000"/>
-              </a:lnSpc>
-              <a:spcBef>
-                <a:spcPct val="0"/>
-              </a:spcBef>
-              <a:buNone/>
-              <a:defRPr sz="7200" kern="1200" spc="-50" baseline="0">
-                <a:solidFill>
-                  <a:schemeClr val="tx1"/>
-                </a:solidFill>
-                <a:latin typeface="+mj-lt"/>
-                <a:ea typeface="+mj-ea"/>
-                <a:cs typeface="+mj-cs"/>
-              </a:defRPr>
-            </a:lvl1pPr>
-          </a:lstStyle>
-          <a:p>
-            <a:pPr marL="342900" indent="-342900">
-              <a:lnSpc>
-                <a:spcPct val="150000"/>
-              </a:lnSpc>
-              <a:buFont typeface="Wingdings" panose="05000000000000000000" pitchFamily="2" charset="2"/>
-              <a:buChar char="§"/>
-            </a:pPr>
-            <a:r>
-              <a:rPr lang="en-US" sz="2000" dirty="0" smtClean="0"/>
-              <a:t>Functions</a:t>
-            </a:r>
+              <a:rPr lang="en-US" sz="3600" b="1" dirty="0" smtClean="0">
+                <a:effectLst>
+                  <a:outerShdw blurRad="38100" dist="38100" dir="2700000" algn="tl">
+                    <a:srgbClr val="000000">
+                      <a:alpha val="43137"/>
+                    </a:srgbClr>
+                  </a:outerShdw>
+                </a:effectLst>
+              </a:rPr>
+              <a:t>JavaScript </a:t>
+            </a:r>
+            <a:r>
+              <a:rPr lang="en-US" sz="3600" b="1" dirty="0" smtClean="0">
+                <a:effectLst>
+                  <a:outerShdw blurRad="38100" dist="38100" dir="2700000" algn="tl">
+                    <a:srgbClr val="000000">
+                      <a:alpha val="43137"/>
+                    </a:srgbClr>
+                  </a:outerShdw>
+                </a:effectLst>
+              </a:rPr>
+              <a:t>Overview - Functions</a:t>
+            </a:r>
+            <a:endParaRPr lang="en-US" sz="3600" b="1" dirty="0">
+              <a:effectLst>
+                <a:outerShdw blurRad="38100" dist="38100" dir="2700000" algn="tl">
+                  <a:srgbClr val="000000">
+                    <a:alpha val="43137"/>
+                  </a:srgbClr>
+                </a:outerShdw>
+              </a:effectLst>
+            </a:endParaRPr>
           </a:p>
         </p:txBody>
       </p:sp>
@@ -3798,65 +3871,38 @@
           </a:lstStyle>
           <a:p>
             <a:r>
-              <a:rPr lang="en-US" sz="3600" b="1" dirty="0" smtClean="0"/>
-              <a:t>JavaScript Overview</a:t>
-            </a:r>
-            <a:endParaRPr lang="en-US" sz="3600" b="1" dirty="0"/>
-          </a:p>
-        </p:txBody>
-      </p:sp>
-      <p:sp>
-        <p:nvSpPr>
-          <p:cNvPr id="6" name="Title 1"/>
-          <p:cNvSpPr txBox="1">
-            <a:spLocks/>
-          </p:cNvSpPr>
-          <p:nvPr/>
-        </p:nvSpPr>
-        <p:spPr>
-          <a:xfrm>
-            <a:off x="7544728" y="-44330"/>
-            <a:ext cx="2219475" cy="630440"/>
-          </a:xfrm>
-          <a:prstGeom prst="rect">
-            <a:avLst/>
-          </a:prstGeom>
-        </p:spPr>
-        <p:txBody>
-          <a:bodyPr vert="horz" lIns="91440" tIns="45720" rIns="91440" bIns="45720" rtlCol="0" anchor="b">
-            <a:normAutofit/>
-          </a:bodyPr>
-          <a:lstStyle>
-            <a:lvl1pPr algn="l" defTabSz="914400" rtl="0" eaLnBrk="1" latinLnBrk="0" hangingPunct="1">
-              <a:lnSpc>
-                <a:spcPct val="85000"/>
-              </a:lnSpc>
-              <a:spcBef>
-                <a:spcPct val="0"/>
-              </a:spcBef>
-              <a:buNone/>
-              <a:defRPr sz="7200" kern="1200" spc="-50" baseline="0">
-                <a:solidFill>
-                  <a:schemeClr val="tx1"/>
-                </a:solidFill>
-                <a:latin typeface="+mj-lt"/>
-                <a:ea typeface="+mj-ea"/>
-                <a:cs typeface="+mj-cs"/>
-              </a:defRPr>
-            </a:lvl1pPr>
-          </a:lstStyle>
-          <a:p>
-            <a:pPr marL="342900" indent="-342900">
-              <a:lnSpc>
-                <a:spcPct val="150000"/>
-              </a:lnSpc>
-              <a:buFont typeface="Wingdings" panose="05000000000000000000" pitchFamily="2" charset="2"/>
-              <a:buChar char="§"/>
-            </a:pPr>
-            <a:r>
-              <a:rPr lang="en-US" sz="2000" dirty="0" smtClean="0"/>
-              <a:t>Functions</a:t>
-            </a:r>
+              <a:rPr lang="en-US" sz="3600" b="1" dirty="0" smtClean="0">
+                <a:effectLst>
+                  <a:outerShdw blurRad="38100" dist="38100" dir="2700000" algn="tl">
+                    <a:srgbClr val="000000">
+                      <a:alpha val="43137"/>
+                    </a:srgbClr>
+                  </a:outerShdw>
+                </a:effectLst>
+              </a:rPr>
+              <a:t>JavaScript </a:t>
+            </a:r>
+            <a:r>
+              <a:rPr lang="en-US" sz="3600" b="1" dirty="0" smtClean="0">
+                <a:effectLst>
+                  <a:outerShdw blurRad="38100" dist="38100" dir="2700000" algn="tl">
+                    <a:srgbClr val="000000">
+                      <a:alpha val="43137"/>
+                    </a:srgbClr>
+                  </a:outerShdw>
+                </a:effectLst>
+              </a:rPr>
+              <a:t>Overview - Functions</a:t>
+            </a:r>
+            <a:endParaRPr lang="en-US" sz="3600" b="1" dirty="0">
+              <a:effectLst>
+                <a:outerShdw blurRad="38100" dist="38100" dir="2700000" algn="tl">
+                  <a:srgbClr val="000000">
+                    <a:alpha val="43137"/>
+                  </a:srgbClr>
+                </a:outerShdw>
+              </a:effectLst>
+            </a:endParaRPr>
           </a:p>
         </p:txBody>
       </p:sp>
@@ -3998,65 +4044,38 @@
           </a:lstStyle>
           <a:p>
             <a:r>
-              <a:rPr lang="en-US" sz="3600" b="1" dirty="0" smtClean="0"/>
-              <a:t>JavaScript Overview</a:t>
-            </a:r>
-            <a:endParaRPr lang="en-US" sz="3600" b="1" dirty="0"/>
-          </a:p>
-        </p:txBody>
-      </p:sp>
-      <p:sp>
-        <p:nvSpPr>
-          <p:cNvPr id="6" name="Title 1"/>
-          <p:cNvSpPr txBox="1">
-            <a:spLocks/>
-          </p:cNvSpPr>
-          <p:nvPr/>
-        </p:nvSpPr>
-        <p:spPr>
-          <a:xfrm>
-            <a:off x="7544728" y="-44330"/>
-            <a:ext cx="2219475" cy="630440"/>
-          </a:xfrm>
-          <a:prstGeom prst="rect">
-            <a:avLst/>
-          </a:prstGeom>
-        </p:spPr>
-        <p:txBody>
-          <a:bodyPr vert="horz" lIns="91440" tIns="45720" rIns="91440" bIns="45720" rtlCol="0" anchor="b">
-            <a:normAutofit/>
-          </a:bodyPr>
-          <a:lstStyle>
-            <a:lvl1pPr algn="l" defTabSz="914400" rtl="0" eaLnBrk="1" latinLnBrk="0" hangingPunct="1">
-              <a:lnSpc>
-                <a:spcPct val="85000"/>
-              </a:lnSpc>
-              <a:spcBef>
-                <a:spcPct val="0"/>
-              </a:spcBef>
-              <a:buNone/>
-              <a:defRPr sz="7200" kern="1200" spc="-50" baseline="0">
-                <a:solidFill>
-                  <a:schemeClr val="tx1"/>
-                </a:solidFill>
-                <a:latin typeface="+mj-lt"/>
-                <a:ea typeface="+mj-ea"/>
-                <a:cs typeface="+mj-cs"/>
-              </a:defRPr>
-            </a:lvl1pPr>
-          </a:lstStyle>
-          <a:p>
-            <a:pPr marL="342900" indent="-342900">
-              <a:lnSpc>
-                <a:spcPct val="150000"/>
-              </a:lnSpc>
-              <a:buFont typeface="Wingdings" panose="05000000000000000000" pitchFamily="2" charset="2"/>
-              <a:buChar char="§"/>
-            </a:pPr>
-            <a:r>
-              <a:rPr lang="en-US" sz="2000" dirty="0" smtClean="0"/>
-              <a:t>Functions</a:t>
-            </a:r>
+              <a:rPr lang="en-US" sz="3600" b="1" dirty="0" smtClean="0">
+                <a:effectLst>
+                  <a:outerShdw blurRad="38100" dist="38100" dir="2700000" algn="tl">
+                    <a:srgbClr val="000000">
+                      <a:alpha val="43137"/>
+                    </a:srgbClr>
+                  </a:outerShdw>
+                </a:effectLst>
+              </a:rPr>
+              <a:t>JavaScript </a:t>
+            </a:r>
+            <a:r>
+              <a:rPr lang="en-US" sz="3600" b="1" dirty="0" smtClean="0">
+                <a:effectLst>
+                  <a:outerShdw blurRad="38100" dist="38100" dir="2700000" algn="tl">
+                    <a:srgbClr val="000000">
+                      <a:alpha val="43137"/>
+                    </a:srgbClr>
+                  </a:outerShdw>
+                </a:effectLst>
+              </a:rPr>
+              <a:t>Overview - Functions</a:t>
+            </a:r>
+            <a:endParaRPr lang="en-US" sz="3600" b="1" dirty="0">
+              <a:effectLst>
+                <a:outerShdw blurRad="38100" dist="38100" dir="2700000" algn="tl">
+                  <a:srgbClr val="000000">
+                    <a:alpha val="43137"/>
+                  </a:srgbClr>
+                </a:outerShdw>
+              </a:effectLst>
+            </a:endParaRPr>
           </a:p>
         </p:txBody>
       </p:sp>
@@ -4338,65 +4357,38 @@
           </a:lstStyle>
           <a:p>
             <a:r>
-              <a:rPr lang="en-US" sz="3600" b="1" dirty="0" smtClean="0"/>
-              <a:t>JavaScript Overview</a:t>
-            </a:r>
-            <a:endParaRPr lang="en-US" sz="3600" b="1" dirty="0"/>
-          </a:p>
-        </p:txBody>
-      </p:sp>
-      <p:sp>
-        <p:nvSpPr>
-          <p:cNvPr id="6" name="Title 1"/>
-          <p:cNvSpPr txBox="1">
-            <a:spLocks/>
-          </p:cNvSpPr>
-          <p:nvPr/>
-        </p:nvSpPr>
-        <p:spPr>
-          <a:xfrm>
-            <a:off x="7544728" y="-44330"/>
-            <a:ext cx="2219475" cy="630440"/>
-          </a:xfrm>
-          <a:prstGeom prst="rect">
-            <a:avLst/>
-          </a:prstGeom>
-        </p:spPr>
-        <p:txBody>
-          <a:bodyPr vert="horz" lIns="91440" tIns="45720" rIns="91440" bIns="45720" rtlCol="0" anchor="b">
-            <a:normAutofit/>
-          </a:bodyPr>
-          <a:lstStyle>
-            <a:lvl1pPr algn="l" defTabSz="914400" rtl="0" eaLnBrk="1" latinLnBrk="0" hangingPunct="1">
-              <a:lnSpc>
-                <a:spcPct val="85000"/>
-              </a:lnSpc>
-              <a:spcBef>
-                <a:spcPct val="0"/>
-              </a:spcBef>
-              <a:buNone/>
-              <a:defRPr sz="7200" kern="1200" spc="-50" baseline="0">
-                <a:solidFill>
-                  <a:schemeClr val="tx1"/>
-                </a:solidFill>
-                <a:latin typeface="+mj-lt"/>
-                <a:ea typeface="+mj-ea"/>
-                <a:cs typeface="+mj-cs"/>
-              </a:defRPr>
-            </a:lvl1pPr>
-          </a:lstStyle>
-          <a:p>
-            <a:pPr marL="342900" indent="-342900">
-              <a:lnSpc>
-                <a:spcPct val="150000"/>
-              </a:lnSpc>
-              <a:buFont typeface="Wingdings" panose="05000000000000000000" pitchFamily="2" charset="2"/>
-              <a:buChar char="§"/>
-            </a:pPr>
-            <a:r>
-              <a:rPr lang="en-US" sz="2000" dirty="0" smtClean="0"/>
-              <a:t>Functions</a:t>
-            </a:r>
+              <a:rPr lang="en-US" sz="3600" b="1" dirty="0" smtClean="0">
+                <a:effectLst>
+                  <a:outerShdw blurRad="38100" dist="38100" dir="2700000" algn="tl">
+                    <a:srgbClr val="000000">
+                      <a:alpha val="43137"/>
+                    </a:srgbClr>
+                  </a:outerShdw>
+                </a:effectLst>
+              </a:rPr>
+              <a:t>JavaScript </a:t>
+            </a:r>
+            <a:r>
+              <a:rPr lang="en-US" sz="3600" b="1" dirty="0" smtClean="0">
+                <a:effectLst>
+                  <a:outerShdw blurRad="38100" dist="38100" dir="2700000" algn="tl">
+                    <a:srgbClr val="000000">
+                      <a:alpha val="43137"/>
+                    </a:srgbClr>
+                  </a:outerShdw>
+                </a:effectLst>
+              </a:rPr>
+              <a:t>Overview - Functions</a:t>
+            </a:r>
+            <a:endParaRPr lang="en-US" sz="3600" b="1" dirty="0">
+              <a:effectLst>
+                <a:outerShdw blurRad="38100" dist="38100" dir="2700000" algn="tl">
+                  <a:srgbClr val="000000">
+                    <a:alpha val="43137"/>
+                  </a:srgbClr>
+                </a:outerShdw>
+              </a:effectLst>
+            </a:endParaRPr>
           </a:p>
         </p:txBody>
       </p:sp>
@@ -4509,65 +4501,38 @@
           </a:lstStyle>
           <a:p>
             <a:r>
-              <a:rPr lang="en-US" sz="3600" b="1" dirty="0" smtClean="0"/>
-              <a:t>JavaScript Overview</a:t>
-            </a:r>
-            <a:endParaRPr lang="en-US" sz="3600" b="1" dirty="0"/>
-          </a:p>
-        </p:txBody>
-      </p:sp>
-      <p:sp>
-        <p:nvSpPr>
-          <p:cNvPr id="6" name="Title 1"/>
-          <p:cNvSpPr txBox="1">
-            <a:spLocks/>
-          </p:cNvSpPr>
-          <p:nvPr/>
-        </p:nvSpPr>
-        <p:spPr>
-          <a:xfrm>
-            <a:off x="7544728" y="-44330"/>
-            <a:ext cx="2219475" cy="630440"/>
-          </a:xfrm>
-          <a:prstGeom prst="rect">
-            <a:avLst/>
-          </a:prstGeom>
-        </p:spPr>
-        <p:txBody>
-          <a:bodyPr vert="horz" lIns="91440" tIns="45720" rIns="91440" bIns="45720" rtlCol="0" anchor="b">
-            <a:normAutofit/>
-          </a:bodyPr>
-          <a:lstStyle>
-            <a:lvl1pPr algn="l" defTabSz="914400" rtl="0" eaLnBrk="1" latinLnBrk="0" hangingPunct="1">
-              <a:lnSpc>
-                <a:spcPct val="85000"/>
-              </a:lnSpc>
-              <a:spcBef>
-                <a:spcPct val="0"/>
-              </a:spcBef>
-              <a:buNone/>
-              <a:defRPr sz="7200" kern="1200" spc="-50" baseline="0">
-                <a:solidFill>
-                  <a:schemeClr val="tx1"/>
-                </a:solidFill>
-                <a:latin typeface="+mj-lt"/>
-                <a:ea typeface="+mj-ea"/>
-                <a:cs typeface="+mj-cs"/>
-              </a:defRPr>
-            </a:lvl1pPr>
-          </a:lstStyle>
-          <a:p>
-            <a:pPr marL="342900" indent="-342900">
-              <a:lnSpc>
-                <a:spcPct val="150000"/>
-              </a:lnSpc>
-              <a:buFont typeface="Wingdings" panose="05000000000000000000" pitchFamily="2" charset="2"/>
-              <a:buChar char="§"/>
-            </a:pPr>
-            <a:r>
-              <a:rPr lang="en-US" sz="2000" dirty="0" smtClean="0"/>
-              <a:t>Closures</a:t>
-            </a:r>
+              <a:rPr lang="en-US" sz="3600" b="1" dirty="0" smtClean="0">
+                <a:effectLst>
+                  <a:outerShdw blurRad="38100" dist="38100" dir="2700000" algn="tl">
+                    <a:srgbClr val="000000">
+                      <a:alpha val="43137"/>
+                    </a:srgbClr>
+                  </a:outerShdw>
+                </a:effectLst>
+              </a:rPr>
+              <a:t>JavaScript </a:t>
+            </a:r>
+            <a:r>
+              <a:rPr lang="en-US" sz="3600" b="1" dirty="0" smtClean="0">
+                <a:effectLst>
+                  <a:outerShdw blurRad="38100" dist="38100" dir="2700000" algn="tl">
+                    <a:srgbClr val="000000">
+                      <a:alpha val="43137"/>
+                    </a:srgbClr>
+                  </a:outerShdw>
+                </a:effectLst>
+              </a:rPr>
+              <a:t>Overview - Closures</a:t>
+            </a:r>
+            <a:endParaRPr lang="en-US" sz="3600" b="1" dirty="0">
+              <a:effectLst>
+                <a:outerShdw blurRad="38100" dist="38100" dir="2700000" algn="tl">
+                  <a:srgbClr val="000000">
+                    <a:alpha val="43137"/>
+                  </a:srgbClr>
+                </a:outerShdw>
+              </a:effectLst>
+            </a:endParaRPr>
           </a:p>
         </p:txBody>
       </p:sp>
@@ -4721,65 +4686,38 @@
           </a:lstStyle>
           <a:p>
             <a:r>
-              <a:rPr lang="en-US" sz="3600" b="1" dirty="0" smtClean="0"/>
-              <a:t>JavaScript Overview</a:t>
-            </a:r>
-            <a:endParaRPr lang="en-US" sz="3600" b="1" dirty="0"/>
-          </a:p>
-        </p:txBody>
-      </p:sp>
-      <p:sp>
-        <p:nvSpPr>
-          <p:cNvPr id="6" name="Title 1"/>
-          <p:cNvSpPr txBox="1">
-            <a:spLocks/>
-          </p:cNvSpPr>
-          <p:nvPr/>
-        </p:nvSpPr>
-        <p:spPr>
-          <a:xfrm>
-            <a:off x="7544728" y="-44330"/>
-            <a:ext cx="2219475" cy="630440"/>
-          </a:xfrm>
-          <a:prstGeom prst="rect">
-            <a:avLst/>
-          </a:prstGeom>
-        </p:spPr>
-        <p:txBody>
-          <a:bodyPr vert="horz" lIns="91440" tIns="45720" rIns="91440" bIns="45720" rtlCol="0" anchor="b">
-            <a:normAutofit/>
-          </a:bodyPr>
-          <a:lstStyle>
-            <a:lvl1pPr algn="l" defTabSz="914400" rtl="0" eaLnBrk="1" latinLnBrk="0" hangingPunct="1">
-              <a:lnSpc>
-                <a:spcPct val="85000"/>
-              </a:lnSpc>
-              <a:spcBef>
-                <a:spcPct val="0"/>
-              </a:spcBef>
-              <a:buNone/>
-              <a:defRPr sz="7200" kern="1200" spc="-50" baseline="0">
-                <a:solidFill>
-                  <a:schemeClr val="tx1"/>
-                </a:solidFill>
-                <a:latin typeface="+mj-lt"/>
-                <a:ea typeface="+mj-ea"/>
-                <a:cs typeface="+mj-cs"/>
-              </a:defRPr>
-            </a:lvl1pPr>
-          </a:lstStyle>
-          <a:p>
-            <a:pPr marL="342900" indent="-342900">
-              <a:lnSpc>
-                <a:spcPct val="150000"/>
-              </a:lnSpc>
-              <a:buFont typeface="Wingdings" panose="05000000000000000000" pitchFamily="2" charset="2"/>
-              <a:buChar char="§"/>
-            </a:pPr>
-            <a:r>
-              <a:rPr lang="en-US" sz="2000" dirty="0" smtClean="0"/>
-              <a:t>Closures</a:t>
-            </a:r>
+              <a:rPr lang="en-US" sz="3600" b="1" dirty="0" smtClean="0">
+                <a:effectLst>
+                  <a:outerShdw blurRad="38100" dist="38100" dir="2700000" algn="tl">
+                    <a:srgbClr val="000000">
+                      <a:alpha val="43137"/>
+                    </a:srgbClr>
+                  </a:outerShdw>
+                </a:effectLst>
+              </a:rPr>
+              <a:t>JavaScript </a:t>
+            </a:r>
+            <a:r>
+              <a:rPr lang="en-US" sz="3600" b="1" dirty="0" smtClean="0">
+                <a:effectLst>
+                  <a:outerShdw blurRad="38100" dist="38100" dir="2700000" algn="tl">
+                    <a:srgbClr val="000000">
+                      <a:alpha val="43137"/>
+                    </a:srgbClr>
+                  </a:outerShdw>
+                </a:effectLst>
+              </a:rPr>
+              <a:t>Overview - Closures</a:t>
+            </a:r>
+            <a:endParaRPr lang="en-US" sz="3600" b="1" dirty="0">
+              <a:effectLst>
+                <a:outerShdw blurRad="38100" dist="38100" dir="2700000" algn="tl">
+                  <a:srgbClr val="000000">
+                    <a:alpha val="43137"/>
+                  </a:srgbClr>
+                </a:outerShdw>
+              </a:effectLst>
+            </a:endParaRPr>
           </a:p>
         </p:txBody>
       </p:sp>
@@ -4892,10 +4830,26 @@
           </a:lstStyle>
           <a:p>
             <a:r>
-              <a:rPr lang="en-US" sz="3600" b="1" dirty="0" smtClean="0"/>
+              <a:rPr lang="en-US" sz="3600" b="1" dirty="0" smtClean="0">
+                <a:effectLst>
+                  <a:outerShdw blurRad="38100" dist="38100" dir="2700000" algn="tl">
+                    <a:srgbClr val="000000">
+                      <a:alpha val="43137"/>
+                    </a:srgbClr>
+                  </a:outerShdw>
+                </a:effectLst>
+              </a:rPr>
               <a:t>Functional Programming Overview</a:t>
             </a:r>
-            <a:endParaRPr lang="en-US" sz="3600" b="1" dirty="0"/>
+            <a:endParaRPr lang="en-US" sz="3600" b="1" dirty="0">
+              <a:effectLst>
+                <a:outerShdw blurRad="38100" dist="38100" dir="2700000" algn="tl">
+                  <a:srgbClr val="000000">
+                    <a:alpha val="43137"/>
+                  </a:srgbClr>
+                </a:outerShdw>
+              </a:effectLst>
+            </a:endParaRPr>
           </a:p>
         </p:txBody>
       </p:sp>
@@ -5049,7 +5003,7 @@
         </p:nvSpPr>
         <p:spPr>
           <a:xfrm>
-            <a:off x="387229" y="-357793"/>
+            <a:off x="373582" y="-13648"/>
             <a:ext cx="9692640" cy="975707"/>
           </a:xfrm>
           <a:prstGeom prst="rect">
@@ -5058,7 +5012,7 @@
         </p:spPr>
         <p:txBody>
           <a:bodyPr vert="horz" lIns="91440" tIns="45720" rIns="91440" bIns="45720" rtlCol="0" anchor="b">
-            <a:normAutofit/>
+            <a:normAutofit lnSpcReduction="10000"/>
           </a:bodyPr>
           <a:lstStyle>
             <a:lvl1pPr algn="l" defTabSz="914400" rtl="0" eaLnBrk="1" latinLnBrk="0" hangingPunct="1">
@@ -5081,65 +5035,38 @@
           </a:lstStyle>
           <a:p>
             <a:r>
-              <a:rPr lang="en-US" sz="3600" b="1" dirty="0" smtClean="0"/>
-              <a:t>Functional Programming Overview</a:t>
-            </a:r>
-            <a:endParaRPr lang="en-US" sz="3600" b="1" dirty="0"/>
-          </a:p>
-        </p:txBody>
-      </p:sp>
-      <p:sp>
-        <p:nvSpPr>
-          <p:cNvPr id="4" name="Title 1"/>
-          <p:cNvSpPr txBox="1">
-            <a:spLocks/>
-          </p:cNvSpPr>
-          <p:nvPr/>
-        </p:nvSpPr>
-        <p:spPr>
-          <a:xfrm>
-            <a:off x="7544727" y="-235160"/>
-            <a:ext cx="3714319" cy="847412"/>
-          </a:xfrm>
-          <a:prstGeom prst="rect">
-            <a:avLst/>
-          </a:prstGeom>
-        </p:spPr>
-        <p:txBody>
-          <a:bodyPr vert="horz" lIns="91440" tIns="45720" rIns="91440" bIns="45720" rtlCol="0" anchor="b">
-            <a:normAutofit fontScale="92500"/>
-          </a:bodyPr>
-          <a:lstStyle>
-            <a:lvl1pPr algn="l" defTabSz="914400" rtl="0" eaLnBrk="1" latinLnBrk="0" hangingPunct="1">
-              <a:lnSpc>
-                <a:spcPct val="85000"/>
-              </a:lnSpc>
-              <a:spcBef>
-                <a:spcPct val="0"/>
-              </a:spcBef>
-              <a:buNone/>
-              <a:defRPr sz="7200" kern="1200" spc="-50" baseline="0">
-                <a:solidFill>
-                  <a:schemeClr val="tx1"/>
-                </a:solidFill>
-                <a:latin typeface="+mj-lt"/>
-                <a:ea typeface="+mj-ea"/>
-                <a:cs typeface="+mj-cs"/>
-              </a:defRPr>
-            </a:lvl1pPr>
-          </a:lstStyle>
-          <a:p>
-            <a:pPr marL="342900" indent="-342900">
-              <a:lnSpc>
-                <a:spcPct val="150000"/>
-              </a:lnSpc>
-              <a:buFont typeface="Wingdings" panose="05000000000000000000" pitchFamily="2" charset="2"/>
-              <a:buChar char="§"/>
-            </a:pPr>
-            <a:r>
-              <a:rPr lang="en-US" sz="2000" dirty="0" smtClean="0"/>
-              <a:t>What is functional programming?</a:t>
-            </a:r>
+              <a:rPr lang="en-US" sz="3600" b="1" dirty="0" smtClean="0">
+                <a:effectLst>
+                  <a:outerShdw blurRad="38100" dist="38100" dir="2700000" algn="tl">
+                    <a:srgbClr val="000000">
+                      <a:alpha val="43137"/>
+                    </a:srgbClr>
+                  </a:outerShdw>
+                </a:effectLst>
+              </a:rPr>
+              <a:t>Functional Programming </a:t>
+            </a:r>
+            <a:r>
+              <a:rPr lang="en-US" sz="3600" b="1" dirty="0" smtClean="0">
+                <a:effectLst>
+                  <a:outerShdw blurRad="38100" dist="38100" dir="2700000" algn="tl">
+                    <a:srgbClr val="000000">
+                      <a:alpha val="43137"/>
+                    </a:srgbClr>
+                  </a:outerShdw>
+                </a:effectLst>
+              </a:rPr>
+              <a:t>Overview – What is functional programming?</a:t>
+            </a:r>
+            <a:endParaRPr lang="en-US" sz="3600" b="1" dirty="0">
+              <a:effectLst>
+                <a:outerShdw blurRad="38100" dist="38100" dir="2700000" algn="tl">
+                  <a:srgbClr val="000000">
+                    <a:alpha val="43137"/>
+                  </a:srgbClr>
+                </a:outerShdw>
+              </a:effectLst>
+            </a:endParaRPr>
           </a:p>
         </p:txBody>
       </p:sp>
@@ -5151,7 +5078,7 @@
         </p:nvSpPr>
         <p:spPr>
           <a:xfrm>
-            <a:off x="7950" y="1259492"/>
+            <a:off x="278046" y="1409617"/>
             <a:ext cx="12078032" cy="4939814"/>
           </a:xfrm>
           <a:prstGeom prst="rect">
@@ -5262,7 +5189,19 @@
             <a:pPr lvl="1"/>
             <a:r>
               <a:rPr lang="en-US" dirty="0" smtClean="0"/>
-              <a:t>Ability of a function to return a new function until it receives all it's arguments. Calling a curried function with only some of its arguments is called partial application</a:t>
+              <a:t>Ability of a function to return a new function until it receives all it's arguments. Calling a curried function with only some </a:t>
+            </a:r>
+            <a:endParaRPr lang="en-US" dirty="0" smtClean="0"/>
+          </a:p>
+          <a:p>
+            <a:pPr lvl="1"/>
+            <a:r>
+              <a:rPr lang="en-US" dirty="0" smtClean="0"/>
+              <a:t>of </a:t>
+            </a:r>
+            <a:r>
+              <a:rPr lang="en-US" dirty="0" smtClean="0"/>
+              <a:t>its arguments is called partial application</a:t>
             </a:r>
           </a:p>
           <a:p>
@@ -5367,10 +5306,26 @@
           </a:lstStyle>
           <a:p>
             <a:r>
-              <a:rPr lang="en-US" sz="3600" b="1" dirty="0" smtClean="0"/>
+              <a:rPr lang="en-US" sz="3600" b="1" dirty="0" smtClean="0">
+                <a:effectLst>
+                  <a:outerShdw blurRad="38100" dist="38100" dir="2700000" algn="tl">
+                    <a:srgbClr val="000000">
+                      <a:alpha val="43137"/>
+                    </a:srgbClr>
+                  </a:outerShdw>
+                </a:effectLst>
+              </a:rPr>
               <a:t>JavaScript Overview</a:t>
             </a:r>
-            <a:endParaRPr lang="en-US" sz="3600" b="1" dirty="0"/>
+            <a:endParaRPr lang="en-US" sz="3600" b="1" dirty="0">
+              <a:effectLst>
+                <a:outerShdw blurRad="38100" dist="38100" dir="2700000" algn="tl">
+                  <a:srgbClr val="000000">
+                    <a:alpha val="43137"/>
+                  </a:srgbClr>
+                </a:outerShdw>
+              </a:effectLst>
+            </a:endParaRPr>
           </a:p>
         </p:txBody>
       </p:sp>
@@ -5606,7 +5561,7 @@
         </p:nvSpPr>
         <p:spPr>
           <a:xfrm>
-            <a:off x="387229" y="-357793"/>
+            <a:off x="373582" y="-13648"/>
             <a:ext cx="9692640" cy="975707"/>
           </a:xfrm>
           <a:prstGeom prst="rect">
@@ -5615,7 +5570,7 @@
         </p:spPr>
         <p:txBody>
           <a:bodyPr vert="horz" lIns="91440" tIns="45720" rIns="91440" bIns="45720" rtlCol="0" anchor="b">
-            <a:normAutofit/>
+            <a:normAutofit lnSpcReduction="10000"/>
           </a:bodyPr>
           <a:lstStyle>
             <a:lvl1pPr algn="l" defTabSz="914400" rtl="0" eaLnBrk="1" latinLnBrk="0" hangingPunct="1">
@@ -5638,65 +5593,38 @@
           </a:lstStyle>
           <a:p>
             <a:r>
-              <a:rPr lang="en-US" sz="3600" b="1" dirty="0" smtClean="0"/>
-              <a:t>Functional Programming Overview</a:t>
-            </a:r>
-            <a:endParaRPr lang="en-US" sz="3600" b="1" dirty="0"/>
-          </a:p>
-        </p:txBody>
-      </p:sp>
-      <p:sp>
-        <p:nvSpPr>
-          <p:cNvPr id="4" name="Title 1"/>
-          <p:cNvSpPr txBox="1">
-            <a:spLocks/>
-          </p:cNvSpPr>
-          <p:nvPr/>
-        </p:nvSpPr>
-        <p:spPr>
-          <a:xfrm>
-            <a:off x="7544727" y="-235160"/>
-            <a:ext cx="3714319" cy="847412"/>
-          </a:xfrm>
-          <a:prstGeom prst="rect">
-            <a:avLst/>
-          </a:prstGeom>
-        </p:spPr>
-        <p:txBody>
-          <a:bodyPr vert="horz" lIns="91440" tIns="45720" rIns="91440" bIns="45720" rtlCol="0" anchor="b">
-            <a:normAutofit/>
-          </a:bodyPr>
-          <a:lstStyle>
-            <a:lvl1pPr algn="l" defTabSz="914400" rtl="0" eaLnBrk="1" latinLnBrk="0" hangingPunct="1">
-              <a:lnSpc>
-                <a:spcPct val="85000"/>
-              </a:lnSpc>
-              <a:spcBef>
-                <a:spcPct val="0"/>
-              </a:spcBef>
-              <a:buNone/>
-              <a:defRPr sz="7200" kern="1200" spc="-50" baseline="0">
-                <a:solidFill>
-                  <a:schemeClr val="tx1"/>
-                </a:solidFill>
-                <a:latin typeface="+mj-lt"/>
-                <a:ea typeface="+mj-ea"/>
-                <a:cs typeface="+mj-cs"/>
-              </a:defRPr>
-            </a:lvl1pPr>
-          </a:lstStyle>
-          <a:p>
-            <a:pPr marL="342900" indent="-342900">
-              <a:lnSpc>
-                <a:spcPct val="150000"/>
-              </a:lnSpc>
-              <a:buFont typeface="Wingdings" panose="05000000000000000000" pitchFamily="2" charset="2"/>
-              <a:buChar char="§"/>
-            </a:pPr>
-            <a:r>
-              <a:rPr lang="en-US" sz="2000" dirty="0" smtClean="0"/>
-              <a:t>Why functional programming?</a:t>
-            </a:r>
+              <a:rPr lang="en-US" sz="3600" b="1" dirty="0" smtClean="0">
+                <a:effectLst>
+                  <a:outerShdw blurRad="38100" dist="38100" dir="2700000" algn="tl">
+                    <a:srgbClr val="000000">
+                      <a:alpha val="43137"/>
+                    </a:srgbClr>
+                  </a:outerShdw>
+                </a:effectLst>
+              </a:rPr>
+              <a:t>Functional Programming </a:t>
+            </a:r>
+            <a:r>
+              <a:rPr lang="en-US" sz="3600" b="1" dirty="0" smtClean="0">
+                <a:effectLst>
+                  <a:outerShdw blurRad="38100" dist="38100" dir="2700000" algn="tl">
+                    <a:srgbClr val="000000">
+                      <a:alpha val="43137"/>
+                    </a:srgbClr>
+                  </a:outerShdw>
+                </a:effectLst>
+              </a:rPr>
+              <a:t>Overview – What Is functional programming?</a:t>
+            </a:r>
+            <a:endParaRPr lang="en-US" sz="3600" b="1" dirty="0">
+              <a:effectLst>
+                <a:outerShdw blurRad="38100" dist="38100" dir="2700000" algn="tl">
+                  <a:srgbClr val="000000">
+                    <a:alpha val="43137"/>
+                  </a:srgbClr>
+                </a:outerShdw>
+              </a:effectLst>
+            </a:endParaRPr>
           </a:p>
         </p:txBody>
       </p:sp>
@@ -5708,7 +5636,7 @@
         </p:nvSpPr>
         <p:spPr>
           <a:xfrm>
-            <a:off x="387229" y="1247823"/>
+            <a:off x="387229" y="1370653"/>
             <a:ext cx="8531750" cy="2308324"/>
           </a:xfrm>
           <a:prstGeom prst="rect">
@@ -5811,7 +5739,7 @@
         </p:blipFill>
         <p:spPr bwMode="auto">
           <a:xfrm>
-            <a:off x="4438943" y="1826466"/>
+            <a:off x="3504071" y="2051654"/>
             <a:ext cx="4480036" cy="4929647"/>
           </a:xfrm>
           <a:prstGeom prst="rect">
@@ -5876,7 +5804,7 @@
         </p:nvSpPr>
         <p:spPr>
           <a:xfrm>
-            <a:off x="387229" y="-357793"/>
+            <a:off x="394053" y="17521"/>
             <a:ext cx="9692640" cy="975707"/>
           </a:xfrm>
           <a:prstGeom prst="rect">
@@ -5885,7 +5813,7 @@
         </p:spPr>
         <p:txBody>
           <a:bodyPr vert="horz" lIns="91440" tIns="45720" rIns="91440" bIns="45720" rtlCol="0" anchor="b">
-            <a:normAutofit/>
+            <a:normAutofit lnSpcReduction="10000"/>
           </a:bodyPr>
           <a:lstStyle>
             <a:lvl1pPr algn="l" defTabSz="914400" rtl="0" eaLnBrk="1" latinLnBrk="0" hangingPunct="1">
@@ -5908,65 +5836,38 @@
           </a:lstStyle>
           <a:p>
             <a:r>
-              <a:rPr lang="en-US" sz="3600" b="1" dirty="0" smtClean="0"/>
-              <a:t>Functional Programming Overview</a:t>
-            </a:r>
-            <a:endParaRPr lang="en-US" sz="3600" b="1" dirty="0"/>
-          </a:p>
-        </p:txBody>
-      </p:sp>
-      <p:sp>
-        <p:nvSpPr>
-          <p:cNvPr id="4" name="Title 1"/>
-          <p:cNvSpPr txBox="1">
-            <a:spLocks/>
-          </p:cNvSpPr>
-          <p:nvPr/>
-        </p:nvSpPr>
-        <p:spPr>
-          <a:xfrm>
-            <a:off x="7544727" y="-235160"/>
-            <a:ext cx="3714319" cy="847412"/>
-          </a:xfrm>
-          <a:prstGeom prst="rect">
-            <a:avLst/>
-          </a:prstGeom>
-        </p:spPr>
-        <p:txBody>
-          <a:bodyPr vert="horz" lIns="91440" tIns="45720" rIns="91440" bIns="45720" rtlCol="0" anchor="b">
-            <a:normAutofit/>
-          </a:bodyPr>
-          <a:lstStyle>
-            <a:lvl1pPr algn="l" defTabSz="914400" rtl="0" eaLnBrk="1" latinLnBrk="0" hangingPunct="1">
-              <a:lnSpc>
-                <a:spcPct val="85000"/>
-              </a:lnSpc>
-              <a:spcBef>
-                <a:spcPct val="0"/>
-              </a:spcBef>
-              <a:buNone/>
-              <a:defRPr sz="7200" kern="1200" spc="-50" baseline="0">
-                <a:solidFill>
-                  <a:schemeClr val="tx1"/>
-                </a:solidFill>
-                <a:latin typeface="+mj-lt"/>
-                <a:ea typeface="+mj-ea"/>
-                <a:cs typeface="+mj-cs"/>
-              </a:defRPr>
-            </a:lvl1pPr>
-          </a:lstStyle>
-          <a:p>
-            <a:pPr marL="342900" indent="-342900">
-              <a:lnSpc>
-                <a:spcPct val="150000"/>
-              </a:lnSpc>
-              <a:buFont typeface="Wingdings" panose="05000000000000000000" pitchFamily="2" charset="2"/>
-              <a:buChar char="§"/>
-            </a:pPr>
-            <a:r>
-              <a:rPr lang="en-US" sz="2000" dirty="0" smtClean="0"/>
-              <a:t>Why functional programming?</a:t>
-            </a:r>
+              <a:rPr lang="en-US" sz="3600" b="1" dirty="0" smtClean="0">
+                <a:effectLst>
+                  <a:outerShdw blurRad="38100" dist="38100" dir="2700000" algn="tl">
+                    <a:srgbClr val="000000">
+                      <a:alpha val="43137"/>
+                    </a:srgbClr>
+                  </a:outerShdw>
+                </a:effectLst>
+              </a:rPr>
+              <a:t>Functional Programming </a:t>
+            </a:r>
+            <a:r>
+              <a:rPr lang="en-US" sz="3600" b="1" dirty="0" smtClean="0">
+                <a:effectLst>
+                  <a:outerShdw blurRad="38100" dist="38100" dir="2700000" algn="tl">
+                    <a:srgbClr val="000000">
+                      <a:alpha val="43137"/>
+                    </a:srgbClr>
+                  </a:outerShdw>
+                </a:effectLst>
+              </a:rPr>
+              <a:t>Overview – Why functional programming?</a:t>
+            </a:r>
+            <a:endParaRPr lang="en-US" sz="3600" b="1" dirty="0">
+              <a:effectLst>
+                <a:outerShdw blurRad="38100" dist="38100" dir="2700000" algn="tl">
+                  <a:srgbClr val="000000">
+                    <a:alpha val="43137"/>
+                  </a:srgbClr>
+                </a:outerShdw>
+              </a:effectLst>
+            </a:endParaRPr>
           </a:p>
         </p:txBody>
       </p:sp>
@@ -6019,7 +5920,7 @@
         </p:nvSpPr>
         <p:spPr>
           <a:xfrm>
-            <a:off x="387229" y="854025"/>
+            <a:off x="387229" y="1324873"/>
             <a:ext cx="5239383" cy="369332"/>
           </a:xfrm>
           <a:prstGeom prst="rect">
@@ -6087,8 +5988,8 @@
         </p:nvSpPr>
         <p:spPr>
           <a:xfrm>
-            <a:off x="387229" y="-357793"/>
-            <a:ext cx="9692640" cy="975707"/>
+            <a:off x="332637" y="-204716"/>
+            <a:ext cx="10592395" cy="954888"/>
           </a:xfrm>
           <a:prstGeom prst="rect">
             <a:avLst/>
@@ -6119,73 +6020,56 @@
           </a:lstStyle>
           <a:p>
             <a:r>
-              <a:rPr lang="en-US" sz="3600" b="1" dirty="0" smtClean="0"/>
-              <a:t>Functional Programming Overview</a:t>
-            </a:r>
-            <a:endParaRPr lang="en-US" sz="3600" b="1" dirty="0"/>
-          </a:p>
-        </p:txBody>
-      </p:sp>
-      <p:sp>
-        <p:nvSpPr>
-          <p:cNvPr id="4" name="Title 1"/>
-          <p:cNvSpPr txBox="1">
-            <a:spLocks/>
-          </p:cNvSpPr>
-          <p:nvPr/>
-        </p:nvSpPr>
-        <p:spPr>
-          <a:xfrm>
-            <a:off x="7544727" y="-235160"/>
-            <a:ext cx="3714319" cy="847412"/>
-          </a:xfrm>
-          <a:prstGeom prst="rect">
-            <a:avLst/>
-          </a:prstGeom>
-        </p:spPr>
-        <p:txBody>
-          <a:bodyPr vert="horz" lIns="91440" tIns="45720" rIns="91440" bIns="45720" rtlCol="0" anchor="b">
-            <a:normAutofit/>
-          </a:bodyPr>
-          <a:lstStyle>
-            <a:lvl1pPr algn="l" defTabSz="914400" rtl="0" eaLnBrk="1" latinLnBrk="0" hangingPunct="1">
-              <a:lnSpc>
-                <a:spcPct val="85000"/>
-              </a:lnSpc>
-              <a:spcBef>
-                <a:spcPct val="0"/>
-              </a:spcBef>
-              <a:buNone/>
-              <a:defRPr sz="7200" kern="1200" spc="-50" baseline="0">
-                <a:solidFill>
-                  <a:schemeClr val="tx1"/>
-                </a:solidFill>
-                <a:latin typeface="+mj-lt"/>
-                <a:ea typeface="+mj-ea"/>
-                <a:cs typeface="+mj-cs"/>
-              </a:defRPr>
-            </a:lvl1pPr>
-          </a:lstStyle>
-          <a:p>
-            <a:pPr marL="342900" indent="-342900">
-              <a:lnSpc>
-                <a:spcPct val="150000"/>
-              </a:lnSpc>
-              <a:buFont typeface="Wingdings" panose="05000000000000000000" pitchFamily="2" charset="2"/>
-              <a:buChar char="§"/>
-            </a:pPr>
-            <a:r>
-              <a:rPr lang="en-US" sz="2000" dirty="0" smtClean="0"/>
-              <a:t>Motivating example?  </a:t>
-            </a:r>
-            <a:r>
-              <a:rPr lang="en-US" sz="2000" dirty="0" smtClean="0">
+              <a:rPr lang="en-US" sz="3600" b="1" dirty="0" smtClean="0">
+                <a:effectLst>
+                  <a:outerShdw blurRad="38100" dist="38100" dir="2700000" algn="tl">
+                    <a:srgbClr val="000000">
+                      <a:alpha val="43137"/>
+                    </a:srgbClr>
+                  </a:outerShdw>
+                </a:effectLst>
+              </a:rPr>
+              <a:t>Functional Programming </a:t>
+            </a:r>
+            <a:r>
+              <a:rPr lang="en-US" sz="3600" b="1" dirty="0" smtClean="0">
+                <a:effectLst>
+                  <a:outerShdw blurRad="38100" dist="38100" dir="2700000" algn="tl">
+                    <a:srgbClr val="000000">
+                      <a:alpha val="43137"/>
+                    </a:srgbClr>
+                  </a:outerShdw>
+                </a:effectLst>
+              </a:rPr>
+              <a:t>Overview – Motivating example </a:t>
+            </a:r>
+            <a:r>
+              <a:rPr lang="en-US" sz="3600" dirty="0" smtClean="0">
                 <a:solidFill>
                   <a:srgbClr val="FF0000"/>
                 </a:solidFill>
+                <a:effectLst>
+                  <a:outerShdw blurRad="38100" dist="38100" dir="2700000" algn="tl">
+                    <a:srgbClr val="000000">
+                      <a:alpha val="43137"/>
+                    </a:srgbClr>
+                  </a:outerShdw>
+                </a:effectLst>
               </a:rPr>
               <a:t>*</a:t>
             </a:r>
+            <a:endParaRPr lang="en-US" sz="3600" dirty="0">
+              <a:solidFill>
+                <a:srgbClr val="FF0000"/>
+              </a:solidFill>
+              <a:effectLst>
+                <a:outerShdw blurRad="38100" dist="38100" dir="2700000" algn="tl">
+                  <a:srgbClr val="000000">
+                    <a:alpha val="43137"/>
+                  </a:srgbClr>
+                </a:outerShdw>
+              </a:effectLst>
+            </a:endParaRPr>
           </a:p>
         </p:txBody>
       </p:sp>
@@ -6338,9 +6222,39 @@
           <a:chExt cx="0" cy="0"/>
         </a:xfrm>
       </p:grpSpPr>
-      <p:sp>
-        <p:nvSpPr>
-          <p:cNvPr id="3" name="Title 1"/>
+      <p:pic>
+        <p:nvPicPr>
+          <p:cNvPr id="5" name="Picture 4" descr="Screen Clipping"/>
+          <p:cNvPicPr>
+            <a:picLocks noChangeAspect="1"/>
+          </p:cNvPicPr>
+          <p:nvPr/>
+        </p:nvPicPr>
+        <p:blipFill>
+          <a:blip r:embed="rId2">
+            <a:extLst>
+              <a:ext uri="{28A0092B-C50C-407E-A947-70E740481C1C}">
+                <a14:useLocalDpi xmlns:a14="http://schemas.microsoft.com/office/drawing/2010/main" val="0"/>
+              </a:ext>
+            </a:extLst>
+          </a:blip>
+          <a:stretch>
+            <a:fillRect/>
+          </a:stretch>
+        </p:blipFill>
+        <p:spPr>
+          <a:xfrm>
+            <a:off x="387229" y="1697307"/>
+            <a:ext cx="11005561" cy="3439237"/>
+          </a:xfrm>
+          <a:prstGeom prst="rect">
+            <a:avLst/>
+          </a:prstGeom>
+        </p:spPr>
+      </p:pic>
+      <p:sp>
+        <p:nvSpPr>
+          <p:cNvPr id="6" name="Title 1"/>
           <p:cNvSpPr txBox="1">
             <a:spLocks/>
           </p:cNvSpPr>
@@ -6348,8 +6262,8 @@
         </p:nvSpPr>
         <p:spPr>
           <a:xfrm>
-            <a:off x="387229" y="-357793"/>
-            <a:ext cx="9692640" cy="975707"/>
+            <a:off x="332637" y="-204716"/>
+            <a:ext cx="10592395" cy="954888"/>
           </a:xfrm>
           <a:prstGeom prst="rect">
             <a:avLst/>
@@ -6380,98 +6294,44 @@
           </a:lstStyle>
           <a:p>
             <a:r>
-              <a:rPr lang="en-US" sz="3600" b="1" dirty="0" smtClean="0"/>
-              <a:t>Functional Programming Overview</a:t>
-            </a:r>
-            <a:endParaRPr lang="en-US" sz="3600" b="1" dirty="0"/>
-          </a:p>
-        </p:txBody>
-      </p:sp>
-      <p:sp>
-        <p:nvSpPr>
-          <p:cNvPr id="4" name="Title 1"/>
-          <p:cNvSpPr txBox="1">
-            <a:spLocks/>
-          </p:cNvSpPr>
-          <p:nvPr/>
-        </p:nvSpPr>
-        <p:spPr>
-          <a:xfrm>
-            <a:off x="7544727" y="-235160"/>
-            <a:ext cx="3714319" cy="847412"/>
-          </a:xfrm>
-          <a:prstGeom prst="rect">
-            <a:avLst/>
-          </a:prstGeom>
-        </p:spPr>
-        <p:txBody>
-          <a:bodyPr vert="horz" lIns="91440" tIns="45720" rIns="91440" bIns="45720" rtlCol="0" anchor="b">
-            <a:normAutofit/>
-          </a:bodyPr>
-          <a:lstStyle>
-            <a:lvl1pPr algn="l" defTabSz="914400" rtl="0" eaLnBrk="1" latinLnBrk="0" hangingPunct="1">
-              <a:lnSpc>
-                <a:spcPct val="85000"/>
-              </a:lnSpc>
-              <a:spcBef>
-                <a:spcPct val="0"/>
-              </a:spcBef>
-              <a:buNone/>
-              <a:defRPr sz="7200" kern="1200" spc="-50" baseline="0">
-                <a:solidFill>
-                  <a:schemeClr val="tx1"/>
-                </a:solidFill>
-                <a:latin typeface="+mj-lt"/>
-                <a:ea typeface="+mj-ea"/>
-                <a:cs typeface="+mj-cs"/>
-              </a:defRPr>
-            </a:lvl1pPr>
-          </a:lstStyle>
-          <a:p>
-            <a:pPr marL="342900" indent="-342900">
-              <a:lnSpc>
-                <a:spcPct val="150000"/>
-              </a:lnSpc>
-              <a:buFont typeface="Wingdings" panose="05000000000000000000" pitchFamily="2" charset="2"/>
-              <a:buChar char="§"/>
-            </a:pPr>
-            <a:r>
-              <a:rPr lang="en-US" sz="2000" dirty="0" smtClean="0"/>
-              <a:t>Motivating example?  </a:t>
-            </a:r>
-          </a:p>
-        </p:txBody>
-      </p:sp>
-      <p:pic>
-        <p:nvPicPr>
-          <p:cNvPr id="5" name="Picture 4" descr="Screen Clipping"/>
-          <p:cNvPicPr>
-            <a:picLocks noChangeAspect="1"/>
-          </p:cNvPicPr>
-          <p:nvPr/>
-        </p:nvPicPr>
-        <p:blipFill>
-          <a:blip r:embed="rId2">
-            <a:extLst>
-              <a:ext uri="{28A0092B-C50C-407E-A947-70E740481C1C}">
-                <a14:useLocalDpi xmlns:a14="http://schemas.microsoft.com/office/drawing/2010/main" val="0"/>
-              </a:ext>
-            </a:extLst>
-          </a:blip>
-          <a:stretch>
-            <a:fillRect/>
-          </a:stretch>
-        </p:blipFill>
-        <p:spPr>
-          <a:xfrm>
-            <a:off x="387229" y="1697307"/>
-            <a:ext cx="11005561" cy="3439237"/>
-          </a:xfrm>
-          <a:prstGeom prst="rect">
-            <a:avLst/>
-          </a:prstGeom>
-        </p:spPr>
-      </p:pic>
+              <a:rPr lang="en-US" sz="3600" b="1" dirty="0" smtClean="0">
+                <a:effectLst>
+                  <a:outerShdw blurRad="38100" dist="38100" dir="2700000" algn="tl">
+                    <a:srgbClr val="000000">
+                      <a:alpha val="43137"/>
+                    </a:srgbClr>
+                  </a:outerShdw>
+                </a:effectLst>
+              </a:rPr>
+              <a:t>Functional Programming </a:t>
+            </a:r>
+            <a:r>
+              <a:rPr lang="en-US" sz="3600" b="1" dirty="0" smtClean="0">
+                <a:effectLst>
+                  <a:outerShdw blurRad="38100" dist="38100" dir="2700000" algn="tl">
+                    <a:srgbClr val="000000">
+                      <a:alpha val="43137"/>
+                    </a:srgbClr>
+                  </a:outerShdw>
+                </a:effectLst>
+              </a:rPr>
+              <a:t>Overview – Motivating example </a:t>
+            </a:r>
+            <a:endParaRPr lang="en-US" sz="3600" dirty="0">
+              <a:solidFill>
+                <a:srgbClr val="FF0000"/>
+              </a:solidFill>
+              <a:effectLst>
+                <a:outerShdw blurRad="38100" dist="38100" dir="2700000" algn="tl">
+                  <a:srgbClr val="000000">
+                    <a:alpha val="43137"/>
+                  </a:srgbClr>
+                </a:outerShdw>
+              </a:effectLst>
+            </a:endParaRPr>
+          </a:p>
+        </p:txBody>
+      </p:sp>
     </p:spTree>
     <p:extLst>
       <p:ext uri="{BB962C8B-B14F-4D97-AF65-F5344CB8AC3E}">
@@ -6509,9 +6369,39 @@
           <a:chExt cx="0" cy="0"/>
         </a:xfrm>
       </p:grpSpPr>
-      <p:sp>
-        <p:nvSpPr>
-          <p:cNvPr id="3" name="Title 1"/>
+      <p:pic>
+        <p:nvPicPr>
+          <p:cNvPr id="2" name="Picture 1" descr="Screen Clipping"/>
+          <p:cNvPicPr>
+            <a:picLocks noChangeAspect="1"/>
+          </p:cNvPicPr>
+          <p:nvPr/>
+        </p:nvPicPr>
+        <p:blipFill>
+          <a:blip r:embed="rId2">
+            <a:extLst>
+              <a:ext uri="{28A0092B-C50C-407E-A947-70E740481C1C}">
+                <a14:useLocalDpi xmlns:a14="http://schemas.microsoft.com/office/drawing/2010/main" val="0"/>
+              </a:ext>
+            </a:extLst>
+          </a:blip>
+          <a:stretch>
+            <a:fillRect/>
+          </a:stretch>
+        </p:blipFill>
+        <p:spPr>
+          <a:xfrm>
+            <a:off x="387229" y="1593277"/>
+            <a:ext cx="10738284" cy="1976857"/>
+          </a:xfrm>
+          <a:prstGeom prst="rect">
+            <a:avLst/>
+          </a:prstGeom>
+        </p:spPr>
+      </p:pic>
+      <p:sp>
+        <p:nvSpPr>
+          <p:cNvPr id="5" name="Title 1"/>
           <p:cNvSpPr txBox="1">
             <a:spLocks/>
           </p:cNvSpPr>
@@ -6519,8 +6409,8 @@
         </p:nvSpPr>
         <p:spPr>
           <a:xfrm>
-            <a:off x="387229" y="-357793"/>
-            <a:ext cx="9692640" cy="975707"/>
+            <a:off x="332637" y="-204716"/>
+            <a:ext cx="10592395" cy="954888"/>
           </a:xfrm>
           <a:prstGeom prst="rect">
             <a:avLst/>
@@ -6551,98 +6441,44 @@
           </a:lstStyle>
           <a:p>
             <a:r>
-              <a:rPr lang="en-US" sz="3600" b="1" dirty="0" smtClean="0"/>
-              <a:t>Functional Programming Overview</a:t>
-            </a:r>
-            <a:endParaRPr lang="en-US" sz="3600" b="1" dirty="0"/>
-          </a:p>
-        </p:txBody>
-      </p:sp>
-      <p:sp>
-        <p:nvSpPr>
-          <p:cNvPr id="4" name="Title 1"/>
-          <p:cNvSpPr txBox="1">
-            <a:spLocks/>
-          </p:cNvSpPr>
-          <p:nvPr/>
-        </p:nvSpPr>
-        <p:spPr>
-          <a:xfrm>
-            <a:off x="7544727" y="-235160"/>
-            <a:ext cx="3714319" cy="847412"/>
-          </a:xfrm>
-          <a:prstGeom prst="rect">
-            <a:avLst/>
-          </a:prstGeom>
-        </p:spPr>
-        <p:txBody>
-          <a:bodyPr vert="horz" lIns="91440" tIns="45720" rIns="91440" bIns="45720" rtlCol="0" anchor="b">
-            <a:normAutofit/>
-          </a:bodyPr>
-          <a:lstStyle>
-            <a:lvl1pPr algn="l" defTabSz="914400" rtl="0" eaLnBrk="1" latinLnBrk="0" hangingPunct="1">
-              <a:lnSpc>
-                <a:spcPct val="85000"/>
-              </a:lnSpc>
-              <a:spcBef>
-                <a:spcPct val="0"/>
-              </a:spcBef>
-              <a:buNone/>
-              <a:defRPr sz="7200" kern="1200" spc="-50" baseline="0">
-                <a:solidFill>
-                  <a:schemeClr val="tx1"/>
-                </a:solidFill>
-                <a:latin typeface="+mj-lt"/>
-                <a:ea typeface="+mj-ea"/>
-                <a:cs typeface="+mj-cs"/>
-              </a:defRPr>
-            </a:lvl1pPr>
-          </a:lstStyle>
-          <a:p>
-            <a:pPr marL="342900" indent="-342900">
-              <a:lnSpc>
-                <a:spcPct val="150000"/>
-              </a:lnSpc>
-              <a:buFont typeface="Wingdings" panose="05000000000000000000" pitchFamily="2" charset="2"/>
-              <a:buChar char="§"/>
-            </a:pPr>
-            <a:r>
-              <a:rPr lang="en-US" sz="2000" dirty="0" smtClean="0"/>
-              <a:t>Motivating example? </a:t>
-            </a:r>
-          </a:p>
-        </p:txBody>
-      </p:sp>
-      <p:pic>
-        <p:nvPicPr>
-          <p:cNvPr id="2" name="Picture 1" descr="Screen Clipping"/>
-          <p:cNvPicPr>
-            <a:picLocks noChangeAspect="1"/>
-          </p:cNvPicPr>
-          <p:nvPr/>
-        </p:nvPicPr>
-        <p:blipFill>
-          <a:blip r:embed="rId2">
-            <a:extLst>
-              <a:ext uri="{28A0092B-C50C-407E-A947-70E740481C1C}">
-                <a14:useLocalDpi xmlns:a14="http://schemas.microsoft.com/office/drawing/2010/main" val="0"/>
-              </a:ext>
-            </a:extLst>
-          </a:blip>
-          <a:stretch>
-            <a:fillRect/>
-          </a:stretch>
-        </p:blipFill>
-        <p:spPr>
-          <a:xfrm>
-            <a:off x="387229" y="1593277"/>
-            <a:ext cx="10738284" cy="1976857"/>
-          </a:xfrm>
-          <a:prstGeom prst="rect">
-            <a:avLst/>
-          </a:prstGeom>
-        </p:spPr>
-      </p:pic>
+              <a:rPr lang="en-US" sz="3600" b="1" dirty="0" smtClean="0">
+                <a:effectLst>
+                  <a:outerShdw blurRad="38100" dist="38100" dir="2700000" algn="tl">
+                    <a:srgbClr val="000000">
+                      <a:alpha val="43137"/>
+                    </a:srgbClr>
+                  </a:outerShdw>
+                </a:effectLst>
+              </a:rPr>
+              <a:t>Functional Programming </a:t>
+            </a:r>
+            <a:r>
+              <a:rPr lang="en-US" sz="3600" b="1" dirty="0" smtClean="0">
+                <a:effectLst>
+                  <a:outerShdw blurRad="38100" dist="38100" dir="2700000" algn="tl">
+                    <a:srgbClr val="000000">
+                      <a:alpha val="43137"/>
+                    </a:srgbClr>
+                  </a:outerShdw>
+                </a:effectLst>
+              </a:rPr>
+              <a:t>Overview – Motivating example </a:t>
+            </a:r>
+            <a:endParaRPr lang="en-US" sz="3600" dirty="0">
+              <a:solidFill>
+                <a:srgbClr val="FF0000"/>
+              </a:solidFill>
+              <a:effectLst>
+                <a:outerShdw blurRad="38100" dist="38100" dir="2700000" algn="tl">
+                  <a:srgbClr val="000000">
+                    <a:alpha val="43137"/>
+                  </a:srgbClr>
+                </a:outerShdw>
+              </a:effectLst>
+            </a:endParaRPr>
+          </a:p>
+        </p:txBody>
+      </p:sp>
     </p:spTree>
     <p:extLst>
       <p:ext uri="{BB962C8B-B14F-4D97-AF65-F5344CB8AC3E}">
@@ -6690,7 +6526,7 @@
         </p:nvSpPr>
         <p:spPr>
           <a:xfrm>
-            <a:off x="387229" y="-357793"/>
+            <a:off x="339461" y="-241785"/>
             <a:ext cx="9692640" cy="975707"/>
           </a:xfrm>
           <a:prstGeom prst="rect">
@@ -6722,10 +6558,26 @@
           </a:lstStyle>
           <a:p>
             <a:r>
-              <a:rPr lang="en-US" sz="3600" b="1" dirty="0" smtClean="0"/>
+              <a:rPr lang="en-US" sz="3600" b="1" dirty="0" smtClean="0">
+                <a:effectLst>
+                  <a:outerShdw blurRad="38100" dist="38100" dir="2700000" algn="tl">
+                    <a:srgbClr val="000000">
+                      <a:alpha val="43137"/>
+                    </a:srgbClr>
+                  </a:outerShdw>
+                </a:effectLst>
+              </a:rPr>
               <a:t>Functional Programming Techniques</a:t>
             </a:r>
-            <a:endParaRPr lang="en-US" sz="3600" b="1" dirty="0"/>
+            <a:endParaRPr lang="en-US" sz="3600" b="1" dirty="0">
+              <a:effectLst>
+                <a:outerShdw blurRad="38100" dist="38100" dir="2700000" algn="tl">
+                  <a:srgbClr val="000000">
+                    <a:alpha val="43137"/>
+                  </a:srgbClr>
+                </a:outerShdw>
+              </a:effectLst>
+            </a:endParaRPr>
           </a:p>
         </p:txBody>
       </p:sp>
@@ -6737,7 +6589,7 @@
         </p:nvSpPr>
         <p:spPr>
           <a:xfrm>
-            <a:off x="387229" y="993380"/>
+            <a:off x="387229" y="2016962"/>
             <a:ext cx="8563555" cy="2585323"/>
           </a:xfrm>
           <a:prstGeom prst="rect">
@@ -6918,7 +6770,7 @@
         </p:nvSpPr>
         <p:spPr>
           <a:xfrm>
-            <a:off x="387229" y="-357793"/>
+            <a:off x="373581" y="766"/>
             <a:ext cx="9692640" cy="975707"/>
           </a:xfrm>
           <a:prstGeom prst="rect">
@@ -6927,7 +6779,7 @@
         </p:spPr>
         <p:txBody>
           <a:bodyPr vert="horz" lIns="91440" tIns="45720" rIns="91440" bIns="45720" rtlCol="0" anchor="b">
-            <a:normAutofit/>
+            <a:normAutofit lnSpcReduction="10000"/>
           </a:bodyPr>
           <a:lstStyle>
             <a:lvl1pPr algn="l" defTabSz="914400" rtl="0" eaLnBrk="1" latinLnBrk="0" hangingPunct="1">
@@ -6950,65 +6802,38 @@
           </a:lstStyle>
           <a:p>
             <a:r>
-              <a:rPr lang="en-US" sz="3600" b="1" dirty="0" smtClean="0"/>
-              <a:t>Functional Programming Techniques</a:t>
-            </a:r>
-            <a:endParaRPr lang="en-US" sz="3600" b="1" dirty="0"/>
-          </a:p>
-        </p:txBody>
-      </p:sp>
-      <p:sp>
-        <p:nvSpPr>
-          <p:cNvPr id="4" name="Title 1"/>
-          <p:cNvSpPr txBox="1">
-            <a:spLocks/>
-          </p:cNvSpPr>
-          <p:nvPr/>
-        </p:nvSpPr>
-        <p:spPr>
-          <a:xfrm>
-            <a:off x="7544727" y="-293646"/>
-            <a:ext cx="3714319" cy="847412"/>
-          </a:xfrm>
-          <a:prstGeom prst="rect">
-            <a:avLst/>
-          </a:prstGeom>
-        </p:spPr>
-        <p:txBody>
-          <a:bodyPr vert="horz" lIns="91440" tIns="45720" rIns="91440" bIns="45720" rtlCol="0" anchor="b">
-            <a:normAutofit/>
-          </a:bodyPr>
-          <a:lstStyle>
-            <a:lvl1pPr algn="l" defTabSz="914400" rtl="0" eaLnBrk="1" latinLnBrk="0" hangingPunct="1">
-              <a:lnSpc>
-                <a:spcPct val="85000"/>
-              </a:lnSpc>
-              <a:spcBef>
-                <a:spcPct val="0"/>
-              </a:spcBef>
-              <a:buNone/>
-              <a:defRPr sz="7200" kern="1200" spc="-50" baseline="0">
-                <a:solidFill>
-                  <a:schemeClr val="tx1"/>
-                </a:solidFill>
-                <a:latin typeface="+mj-lt"/>
-                <a:ea typeface="+mj-ea"/>
-                <a:cs typeface="+mj-cs"/>
-              </a:defRPr>
-            </a:lvl1pPr>
-          </a:lstStyle>
-          <a:p>
-            <a:pPr marL="342900" indent="-342900">
-              <a:lnSpc>
-                <a:spcPct val="150000"/>
-              </a:lnSpc>
-              <a:buFont typeface="Wingdings" panose="05000000000000000000" pitchFamily="2" charset="2"/>
-              <a:buChar char="§"/>
-            </a:pPr>
-            <a:r>
-              <a:rPr lang="en-US" sz="2000" dirty="0" smtClean="0"/>
-              <a:t>Functional JavaScript</a:t>
-            </a:r>
+              <a:rPr lang="en-US" sz="3600" b="1" dirty="0" smtClean="0">
+                <a:effectLst>
+                  <a:outerShdw blurRad="38100" dist="38100" dir="2700000" algn="tl">
+                    <a:srgbClr val="000000">
+                      <a:alpha val="43137"/>
+                    </a:srgbClr>
+                  </a:outerShdw>
+                </a:effectLst>
+              </a:rPr>
+              <a:t>Functional Programming </a:t>
+            </a:r>
+            <a:r>
+              <a:rPr lang="en-US" sz="3600" b="1" dirty="0" smtClean="0">
+                <a:effectLst>
+                  <a:outerShdw blurRad="38100" dist="38100" dir="2700000" algn="tl">
+                    <a:srgbClr val="000000">
+                      <a:alpha val="43137"/>
+                    </a:srgbClr>
+                  </a:outerShdw>
+                </a:effectLst>
+              </a:rPr>
+              <a:t>Techniques – Functional JavaScript</a:t>
+            </a:r>
+            <a:endParaRPr lang="en-US" sz="3600" b="1" dirty="0">
+              <a:effectLst>
+                <a:outerShdw blurRad="38100" dist="38100" dir="2700000" algn="tl">
+                  <a:srgbClr val="000000">
+                    <a:alpha val="43137"/>
+                  </a:srgbClr>
+                </a:outerShdw>
+              </a:effectLst>
+            </a:endParaRPr>
           </a:p>
         </p:txBody>
       </p:sp>
@@ -7020,7 +6845,7 @@
         </p:nvSpPr>
         <p:spPr>
           <a:xfrm>
-            <a:off x="387229" y="1044713"/>
+            <a:off x="373581" y="1458313"/>
             <a:ext cx="10559332" cy="646331"/>
           </a:xfrm>
           <a:prstGeom prst="rect">
@@ -7055,7 +6880,7 @@
         </p:nvSpPr>
         <p:spPr>
           <a:xfrm>
-            <a:off x="387229" y="2260963"/>
+            <a:off x="373581" y="3015546"/>
             <a:ext cx="7052807" cy="2031325"/>
           </a:xfrm>
           <a:prstGeom prst="rect">
@@ -7257,7 +7082,7 @@
         </p:nvSpPr>
         <p:spPr>
           <a:xfrm>
-            <a:off x="387229" y="-357793"/>
+            <a:off x="387229" y="13253"/>
             <a:ext cx="9692640" cy="975707"/>
           </a:xfrm>
           <a:prstGeom prst="rect">
@@ -7266,7 +7091,7 @@
         </p:spPr>
         <p:txBody>
           <a:bodyPr vert="horz" lIns="91440" tIns="45720" rIns="91440" bIns="45720" rtlCol="0" anchor="b">
-            <a:normAutofit/>
+            <a:normAutofit lnSpcReduction="10000"/>
           </a:bodyPr>
           <a:lstStyle>
             <a:lvl1pPr algn="l" defTabSz="914400" rtl="0" eaLnBrk="1" latinLnBrk="0" hangingPunct="1">
@@ -7289,65 +7114,38 @@
           </a:lstStyle>
           <a:p>
             <a:r>
-              <a:rPr lang="en-US" sz="3600" b="1" dirty="0" smtClean="0"/>
-              <a:t>Functional Programming Techniques</a:t>
-            </a:r>
-            <a:endParaRPr lang="en-US" sz="3600" b="1" dirty="0"/>
-          </a:p>
-        </p:txBody>
-      </p:sp>
-      <p:sp>
-        <p:nvSpPr>
-          <p:cNvPr id="4" name="Title 1"/>
-          <p:cNvSpPr txBox="1">
-            <a:spLocks/>
-          </p:cNvSpPr>
-          <p:nvPr/>
-        </p:nvSpPr>
-        <p:spPr>
-          <a:xfrm>
-            <a:off x="7544727" y="-293646"/>
-            <a:ext cx="3714319" cy="847412"/>
-          </a:xfrm>
-          <a:prstGeom prst="rect">
-            <a:avLst/>
-          </a:prstGeom>
-        </p:spPr>
-        <p:txBody>
-          <a:bodyPr vert="horz" lIns="91440" tIns="45720" rIns="91440" bIns="45720" rtlCol="0" anchor="b">
-            <a:normAutofit/>
-          </a:bodyPr>
-          <a:lstStyle>
-            <a:lvl1pPr algn="l" defTabSz="914400" rtl="0" eaLnBrk="1" latinLnBrk="0" hangingPunct="1">
-              <a:lnSpc>
-                <a:spcPct val="85000"/>
-              </a:lnSpc>
-              <a:spcBef>
-                <a:spcPct val="0"/>
-              </a:spcBef>
-              <a:buNone/>
-              <a:defRPr sz="7200" kern="1200" spc="-50" baseline="0">
-                <a:solidFill>
-                  <a:schemeClr val="tx1"/>
-                </a:solidFill>
-                <a:latin typeface="+mj-lt"/>
-                <a:ea typeface="+mj-ea"/>
-                <a:cs typeface="+mj-cs"/>
-              </a:defRPr>
-            </a:lvl1pPr>
-          </a:lstStyle>
-          <a:p>
-            <a:pPr marL="342900" indent="-342900">
-              <a:lnSpc>
-                <a:spcPct val="150000"/>
-              </a:lnSpc>
-              <a:buFont typeface="Wingdings" panose="05000000000000000000" pitchFamily="2" charset="2"/>
-              <a:buChar char="§"/>
-            </a:pPr>
-            <a:r>
-              <a:rPr lang="en-US" sz="2000" dirty="0" smtClean="0"/>
-              <a:t>Functional JavaScript</a:t>
-            </a:r>
+              <a:rPr lang="en-US" sz="3600" b="1" dirty="0" smtClean="0">
+                <a:effectLst>
+                  <a:outerShdw blurRad="38100" dist="38100" dir="2700000" algn="tl">
+                    <a:srgbClr val="000000">
+                      <a:alpha val="43137"/>
+                    </a:srgbClr>
+                  </a:outerShdw>
+                </a:effectLst>
+              </a:rPr>
+              <a:t>Functional Programming </a:t>
+            </a:r>
+            <a:r>
+              <a:rPr lang="en-US" sz="3600" b="1" dirty="0" smtClean="0">
+                <a:effectLst>
+                  <a:outerShdw blurRad="38100" dist="38100" dir="2700000" algn="tl">
+                    <a:srgbClr val="000000">
+                      <a:alpha val="43137"/>
+                    </a:srgbClr>
+                  </a:outerShdw>
+                </a:effectLst>
+              </a:rPr>
+              <a:t>Techniques – Functional JavaScript</a:t>
+            </a:r>
+            <a:endParaRPr lang="en-US" sz="3600" b="1" dirty="0">
+              <a:effectLst>
+                <a:outerShdw blurRad="38100" dist="38100" dir="2700000" algn="tl">
+                  <a:srgbClr val="000000">
+                    <a:alpha val="43137"/>
+                  </a:srgbClr>
+                </a:outerShdw>
+              </a:effectLst>
+            </a:endParaRPr>
           </a:p>
         </p:txBody>
       </p:sp>
@@ -7359,7 +7157,7 @@
         </p:nvSpPr>
         <p:spPr>
           <a:xfrm>
-            <a:off x="387229" y="1044713"/>
+            <a:off x="387229" y="1458797"/>
             <a:ext cx="10559332" cy="646331"/>
           </a:xfrm>
           <a:prstGeom prst="rect">
@@ -7373,13 +7171,13 @@
           <a:lstStyle/>
           <a:p>
             <a:r>
-              <a:rPr lang="en-US" b="1" smtClean="0"/>
+              <a:rPr lang="en-US" b="1" dirty="0" smtClean="0"/>
               <a:t>JavaScript allows a variety of different programming paradigms: OO, functional, procedural</a:t>
             </a:r>
           </a:p>
           <a:p>
             <a:r>
-              <a:rPr lang="en-US" b="1" smtClean="0"/>
+              <a:rPr lang="en-US" b="1" dirty="0" smtClean="0"/>
               <a:t>Although not a pure functional programming language, it allows one to program in a functional way.</a:t>
             </a:r>
             <a:endParaRPr lang="en-US" b="1" dirty="0"/>
@@ -7476,7 +7274,7 @@
         </p:nvSpPr>
         <p:spPr>
           <a:xfrm>
-            <a:off x="387229" y="2260048"/>
+            <a:off x="387229" y="3058442"/>
             <a:ext cx="6989197" cy="1615827"/>
           </a:xfrm>
           <a:prstGeom prst="rect">
@@ -7583,7 +7381,7 @@
         </p:nvSpPr>
         <p:spPr>
           <a:xfrm>
-            <a:off x="387229" y="-357793"/>
+            <a:off x="387229" y="28062"/>
             <a:ext cx="9692640" cy="975707"/>
           </a:xfrm>
           <a:prstGeom prst="rect">
@@ -7592,7 +7390,7 @@
         </p:spPr>
         <p:txBody>
           <a:bodyPr vert="horz" lIns="91440" tIns="45720" rIns="91440" bIns="45720" rtlCol="0" anchor="b">
-            <a:normAutofit/>
+            <a:normAutofit lnSpcReduction="10000"/>
           </a:bodyPr>
           <a:lstStyle>
             <a:lvl1pPr algn="l" defTabSz="914400" rtl="0" eaLnBrk="1" latinLnBrk="0" hangingPunct="1">
@@ -7615,65 +7413,38 @@
           </a:lstStyle>
           <a:p>
             <a:r>
-              <a:rPr lang="en-US" sz="3600" b="1" dirty="0" smtClean="0"/>
-              <a:t>Functional Programming Techniques</a:t>
-            </a:r>
-            <a:endParaRPr lang="en-US" sz="3600" b="1" dirty="0"/>
-          </a:p>
-        </p:txBody>
-      </p:sp>
-      <p:sp>
-        <p:nvSpPr>
-          <p:cNvPr id="4" name="Title 1"/>
-          <p:cNvSpPr txBox="1">
-            <a:spLocks/>
-          </p:cNvSpPr>
-          <p:nvPr/>
-        </p:nvSpPr>
-        <p:spPr>
-          <a:xfrm>
-            <a:off x="7544727" y="-293646"/>
-            <a:ext cx="3714319" cy="847412"/>
-          </a:xfrm>
-          <a:prstGeom prst="rect">
-            <a:avLst/>
-          </a:prstGeom>
-        </p:spPr>
-        <p:txBody>
-          <a:bodyPr vert="horz" lIns="91440" tIns="45720" rIns="91440" bIns="45720" rtlCol="0" anchor="b">
-            <a:normAutofit/>
-          </a:bodyPr>
-          <a:lstStyle>
-            <a:lvl1pPr algn="l" defTabSz="914400" rtl="0" eaLnBrk="1" latinLnBrk="0" hangingPunct="1">
-              <a:lnSpc>
-                <a:spcPct val="85000"/>
-              </a:lnSpc>
-              <a:spcBef>
-                <a:spcPct val="0"/>
-              </a:spcBef>
-              <a:buNone/>
-              <a:defRPr sz="7200" kern="1200" spc="-50" baseline="0">
-                <a:solidFill>
-                  <a:schemeClr val="tx1"/>
-                </a:solidFill>
-                <a:latin typeface="+mj-lt"/>
-                <a:ea typeface="+mj-ea"/>
-                <a:cs typeface="+mj-cs"/>
-              </a:defRPr>
-            </a:lvl1pPr>
-          </a:lstStyle>
-          <a:p>
-            <a:pPr marL="342900" indent="-342900">
-              <a:lnSpc>
-                <a:spcPct val="150000"/>
-              </a:lnSpc>
-              <a:buFont typeface="Wingdings" panose="05000000000000000000" pitchFamily="2" charset="2"/>
-              <a:buChar char="§"/>
-            </a:pPr>
-            <a:r>
-              <a:rPr lang="en-US" sz="2000" dirty="0" smtClean="0"/>
-              <a:t>Functional JavaScript</a:t>
-            </a:r>
+              <a:rPr lang="en-US" sz="3600" b="1" dirty="0" smtClean="0">
+                <a:effectLst>
+                  <a:outerShdw blurRad="38100" dist="38100" dir="2700000" algn="tl">
+                    <a:srgbClr val="000000">
+                      <a:alpha val="43137"/>
+                    </a:srgbClr>
+                  </a:outerShdw>
+                </a:effectLst>
+              </a:rPr>
+              <a:t>Functional Programming </a:t>
+            </a:r>
+            <a:r>
+              <a:rPr lang="en-US" sz="3600" b="1" dirty="0" smtClean="0">
+                <a:effectLst>
+                  <a:outerShdw blurRad="38100" dist="38100" dir="2700000" algn="tl">
+                    <a:srgbClr val="000000">
+                      <a:alpha val="43137"/>
+                    </a:srgbClr>
+                  </a:outerShdw>
+                </a:effectLst>
+              </a:rPr>
+              <a:t>Techniques – Functional JavaScript</a:t>
+            </a:r>
+            <a:endParaRPr lang="en-US" sz="3600" b="1" dirty="0">
+              <a:effectLst>
+                <a:outerShdw blurRad="38100" dist="38100" dir="2700000" algn="tl">
+                  <a:srgbClr val="000000">
+                    <a:alpha val="43137"/>
+                  </a:srgbClr>
+                </a:outerShdw>
+              </a:effectLst>
+            </a:endParaRPr>
           </a:p>
         </p:txBody>
       </p:sp>
@@ -7685,7 +7456,7 @@
         </p:nvSpPr>
         <p:spPr>
           <a:xfrm>
-            <a:off x="387229" y="1044713"/>
+            <a:off x="387229" y="1433675"/>
             <a:ext cx="10559332" cy="646331"/>
           </a:xfrm>
           <a:prstGeom prst="rect">
@@ -7699,13 +7470,13 @@
           <a:lstStyle/>
           <a:p>
             <a:r>
-              <a:rPr lang="en-US" b="1" smtClean="0"/>
+              <a:rPr lang="en-US" b="1" dirty="0" smtClean="0"/>
               <a:t>JavaScript allows a variety of different programming paradigms: OO, functional, procedural</a:t>
             </a:r>
           </a:p>
           <a:p>
             <a:r>
-              <a:rPr lang="en-US" b="1" smtClean="0"/>
+              <a:rPr lang="en-US" b="1" dirty="0" smtClean="0"/>
               <a:t>Although not a pure functional programming language, it allows one to program in a functional way.</a:t>
             </a:r>
             <a:endParaRPr lang="en-US" b="1" dirty="0"/>
@@ -7802,7 +7573,7 @@
         </p:nvSpPr>
         <p:spPr>
           <a:xfrm>
-            <a:off x="387229" y="2249688"/>
+            <a:off x="387229" y="2938900"/>
             <a:ext cx="7164125" cy="2031325"/>
           </a:xfrm>
           <a:prstGeom prst="rect">
@@ -7954,65 +7725,38 @@
           </a:lstStyle>
           <a:p>
             <a:r>
-              <a:rPr lang="en-US" sz="3600" b="1" dirty="0" smtClean="0"/>
-              <a:t>Functional Programming Techniques</a:t>
-            </a:r>
-            <a:endParaRPr lang="en-US" sz="3600" b="1" dirty="0"/>
-          </a:p>
-        </p:txBody>
-      </p:sp>
-      <p:sp>
-        <p:nvSpPr>
-          <p:cNvPr id="4" name="Title 1"/>
-          <p:cNvSpPr txBox="1">
-            <a:spLocks/>
-          </p:cNvSpPr>
-          <p:nvPr/>
-        </p:nvSpPr>
-        <p:spPr>
-          <a:xfrm>
-            <a:off x="7544727" y="-235160"/>
-            <a:ext cx="3714319" cy="847412"/>
-          </a:xfrm>
-          <a:prstGeom prst="rect">
-            <a:avLst/>
-          </a:prstGeom>
-        </p:spPr>
-        <p:txBody>
-          <a:bodyPr vert="horz" lIns="91440" tIns="45720" rIns="91440" bIns="45720" rtlCol="0" anchor="b">
-            <a:normAutofit/>
-          </a:bodyPr>
-          <a:lstStyle>
-            <a:lvl1pPr algn="l" defTabSz="914400" rtl="0" eaLnBrk="1" latinLnBrk="0" hangingPunct="1">
-              <a:lnSpc>
-                <a:spcPct val="85000"/>
-              </a:lnSpc>
-              <a:spcBef>
-                <a:spcPct val="0"/>
-              </a:spcBef>
-              <a:buNone/>
-              <a:defRPr sz="7200" kern="1200" spc="-50" baseline="0">
-                <a:solidFill>
-                  <a:schemeClr val="tx1"/>
-                </a:solidFill>
-                <a:latin typeface="+mj-lt"/>
-                <a:ea typeface="+mj-ea"/>
-                <a:cs typeface="+mj-cs"/>
-              </a:defRPr>
-            </a:lvl1pPr>
-          </a:lstStyle>
-          <a:p>
-            <a:pPr marL="342900" indent="-342900">
-              <a:lnSpc>
-                <a:spcPct val="150000"/>
-              </a:lnSpc>
-              <a:buFont typeface="Wingdings" panose="05000000000000000000" pitchFamily="2" charset="2"/>
-              <a:buChar char="§"/>
-            </a:pPr>
-            <a:r>
-              <a:rPr lang="en-US" sz="2000" dirty="0" smtClean="0"/>
-              <a:t>Pure function</a:t>
-            </a:r>
+              <a:rPr lang="en-US" sz="3600" b="1" dirty="0" smtClean="0">
+                <a:effectLst>
+                  <a:outerShdw blurRad="38100" dist="38100" dir="2700000" algn="tl">
+                    <a:srgbClr val="000000">
+                      <a:alpha val="43137"/>
+                    </a:srgbClr>
+                  </a:outerShdw>
+                </a:effectLst>
+              </a:rPr>
+              <a:t>Functional Programming </a:t>
+            </a:r>
+            <a:r>
+              <a:rPr lang="en-US" sz="3600" b="1" dirty="0" smtClean="0">
+                <a:effectLst>
+                  <a:outerShdw blurRad="38100" dist="38100" dir="2700000" algn="tl">
+                    <a:srgbClr val="000000">
+                      <a:alpha val="43137"/>
+                    </a:srgbClr>
+                  </a:outerShdw>
+                </a:effectLst>
+              </a:rPr>
+              <a:t>Techniques – Pure Function</a:t>
+            </a:r>
+            <a:endParaRPr lang="en-US" sz="3600" b="1" dirty="0">
+              <a:effectLst>
+                <a:outerShdw blurRad="38100" dist="38100" dir="2700000" algn="tl">
+                  <a:srgbClr val="000000">
+                    <a:alpha val="43137"/>
+                  </a:srgbClr>
+                </a:outerShdw>
+              </a:effectLst>
+            </a:endParaRPr>
           </a:p>
         </p:txBody>
       </p:sp>
@@ -8100,7 +7844,7 @@
         </p:nvSpPr>
         <p:spPr>
           <a:xfrm>
-            <a:off x="387229" y="2213259"/>
+            <a:off x="387229" y="2609045"/>
             <a:ext cx="7068710" cy="2126864"/>
           </a:xfrm>
           <a:prstGeom prst="rect">
@@ -8264,65 +8008,38 @@
           </a:lstStyle>
           <a:p>
             <a:r>
-              <a:rPr lang="en-US" sz="3600" b="1" dirty="0" smtClean="0"/>
-              <a:t>JavaScript Overview</a:t>
-            </a:r>
-            <a:endParaRPr lang="en-US" sz="3600" b="1" dirty="0"/>
-          </a:p>
-        </p:txBody>
-      </p:sp>
-      <p:sp>
-        <p:nvSpPr>
-          <p:cNvPr id="6" name="Title 1"/>
-          <p:cNvSpPr txBox="1">
-            <a:spLocks/>
-          </p:cNvSpPr>
-          <p:nvPr/>
-        </p:nvSpPr>
-        <p:spPr>
-          <a:xfrm>
-            <a:off x="7544728" y="-44330"/>
-            <a:ext cx="2219475" cy="630440"/>
-          </a:xfrm>
-          <a:prstGeom prst="rect">
-            <a:avLst/>
-          </a:prstGeom>
-        </p:spPr>
-        <p:txBody>
-          <a:bodyPr vert="horz" lIns="91440" tIns="45720" rIns="91440" bIns="45720" rtlCol="0" anchor="b">
-            <a:normAutofit/>
-          </a:bodyPr>
-          <a:lstStyle>
-            <a:lvl1pPr algn="l" defTabSz="914400" rtl="0" eaLnBrk="1" latinLnBrk="0" hangingPunct="1">
-              <a:lnSpc>
-                <a:spcPct val="85000"/>
-              </a:lnSpc>
-              <a:spcBef>
-                <a:spcPct val="0"/>
-              </a:spcBef>
-              <a:buNone/>
-              <a:defRPr sz="7200" kern="1200" spc="-50" baseline="0">
-                <a:solidFill>
-                  <a:schemeClr val="tx1"/>
-                </a:solidFill>
-                <a:latin typeface="+mj-lt"/>
-                <a:ea typeface="+mj-ea"/>
-                <a:cs typeface="+mj-cs"/>
-              </a:defRPr>
-            </a:lvl1pPr>
-          </a:lstStyle>
-          <a:p>
-            <a:pPr marL="342900" indent="-342900">
-              <a:lnSpc>
-                <a:spcPct val="150000"/>
-              </a:lnSpc>
-              <a:buFont typeface="Wingdings" panose="05000000000000000000" pitchFamily="2" charset="2"/>
-              <a:buChar char="§"/>
-            </a:pPr>
-            <a:r>
-              <a:rPr lang="en-US" sz="2000" dirty="0" smtClean="0"/>
-              <a:t>Type System</a:t>
-            </a:r>
+              <a:rPr lang="en-US" sz="3600" b="1" dirty="0" smtClean="0">
+                <a:effectLst>
+                  <a:outerShdw blurRad="38100" dist="38100" dir="2700000" algn="tl">
+                    <a:srgbClr val="000000">
+                      <a:alpha val="43137"/>
+                    </a:srgbClr>
+                  </a:outerShdw>
+                </a:effectLst>
+              </a:rPr>
+              <a:t>JavaScript </a:t>
+            </a:r>
+            <a:r>
+              <a:rPr lang="en-US" sz="3600" b="1" dirty="0" smtClean="0">
+                <a:effectLst>
+                  <a:outerShdw blurRad="38100" dist="38100" dir="2700000" algn="tl">
+                    <a:srgbClr val="000000">
+                      <a:alpha val="43137"/>
+                    </a:srgbClr>
+                  </a:outerShdw>
+                </a:effectLst>
+              </a:rPr>
+              <a:t>Overview – Type System</a:t>
+            </a:r>
+            <a:endParaRPr lang="en-US" sz="3600" b="1" dirty="0">
+              <a:effectLst>
+                <a:outerShdw blurRad="38100" dist="38100" dir="2700000" algn="tl">
+                  <a:srgbClr val="000000">
+                    <a:alpha val="43137"/>
+                  </a:srgbClr>
+                </a:outerShdw>
+              </a:effectLst>
+            </a:endParaRPr>
           </a:p>
         </p:txBody>
       </p:sp>
@@ -8348,12 +8065,12 @@
           <a:lstStyle/>
           <a:p>
             <a:r>
-              <a:rPr lang="en-US" sz="2000" b="1" dirty="0" err="1" smtClean="0"/>
-              <a:t>Javascript</a:t>
-            </a:r>
-            <a:r>
               <a:rPr lang="en-US" sz="2000" b="1" dirty="0" smtClean="0"/>
-              <a:t> has dynamic and loosely typed type system with two main types: </a:t>
+              <a:t>JavaScript </a:t>
+            </a:r>
+            <a:r>
+              <a:rPr lang="en-US" sz="2000" b="1" dirty="0" smtClean="0"/>
+              <a:t>has dynamic and loosely typed type system with two main types: </a:t>
             </a:r>
           </a:p>
           <a:p>
@@ -8572,65 +8289,38 @@
           </a:lstStyle>
           <a:p>
             <a:r>
-              <a:rPr lang="en-US" sz="3600" b="1" dirty="0" smtClean="0"/>
-              <a:t>Functional Programming Techniques</a:t>
-            </a:r>
-            <a:endParaRPr lang="en-US" sz="3600" b="1" dirty="0"/>
-          </a:p>
-        </p:txBody>
-      </p:sp>
-      <p:sp>
-        <p:nvSpPr>
-          <p:cNvPr id="4" name="Title 1"/>
-          <p:cNvSpPr txBox="1">
-            <a:spLocks/>
-          </p:cNvSpPr>
-          <p:nvPr/>
-        </p:nvSpPr>
-        <p:spPr>
-          <a:xfrm>
-            <a:off x="7544727" y="-235160"/>
-            <a:ext cx="3714319" cy="847412"/>
-          </a:xfrm>
-          <a:prstGeom prst="rect">
-            <a:avLst/>
-          </a:prstGeom>
-        </p:spPr>
-        <p:txBody>
-          <a:bodyPr vert="horz" lIns="91440" tIns="45720" rIns="91440" bIns="45720" rtlCol="0" anchor="b">
-            <a:normAutofit/>
-          </a:bodyPr>
-          <a:lstStyle>
-            <a:lvl1pPr algn="l" defTabSz="914400" rtl="0" eaLnBrk="1" latinLnBrk="0" hangingPunct="1">
-              <a:lnSpc>
-                <a:spcPct val="85000"/>
-              </a:lnSpc>
-              <a:spcBef>
-                <a:spcPct val="0"/>
-              </a:spcBef>
-              <a:buNone/>
-              <a:defRPr sz="7200" kern="1200" spc="-50" baseline="0">
-                <a:solidFill>
-                  <a:schemeClr val="tx1"/>
-                </a:solidFill>
-                <a:latin typeface="+mj-lt"/>
-                <a:ea typeface="+mj-ea"/>
-                <a:cs typeface="+mj-cs"/>
-              </a:defRPr>
-            </a:lvl1pPr>
-          </a:lstStyle>
-          <a:p>
-            <a:pPr marL="342900" indent="-342900">
-              <a:lnSpc>
-                <a:spcPct val="150000"/>
-              </a:lnSpc>
-              <a:buFont typeface="Wingdings" panose="05000000000000000000" pitchFamily="2" charset="2"/>
-              <a:buChar char="§"/>
-            </a:pPr>
-            <a:r>
-              <a:rPr lang="en-US" sz="2000" dirty="0" smtClean="0"/>
-              <a:t>Pure function</a:t>
-            </a:r>
+              <a:rPr lang="en-US" sz="3600" b="1" dirty="0" smtClean="0">
+                <a:effectLst>
+                  <a:outerShdw blurRad="38100" dist="38100" dir="2700000" algn="tl">
+                    <a:srgbClr val="000000">
+                      <a:alpha val="43137"/>
+                    </a:srgbClr>
+                  </a:outerShdw>
+                </a:effectLst>
+              </a:rPr>
+              <a:t>Functional Programming </a:t>
+            </a:r>
+            <a:r>
+              <a:rPr lang="en-US" sz="3600" b="1" dirty="0" smtClean="0">
+                <a:effectLst>
+                  <a:outerShdw blurRad="38100" dist="38100" dir="2700000" algn="tl">
+                    <a:srgbClr val="000000">
+                      <a:alpha val="43137"/>
+                    </a:srgbClr>
+                  </a:outerShdw>
+                </a:effectLst>
+              </a:rPr>
+              <a:t>Techniques – Pure Function</a:t>
+            </a:r>
+            <a:endParaRPr lang="en-US" sz="3600" b="1" dirty="0">
+              <a:effectLst>
+                <a:outerShdw blurRad="38100" dist="38100" dir="2700000" algn="tl">
+                  <a:srgbClr val="000000">
+                    <a:alpha val="43137"/>
+                  </a:srgbClr>
+                </a:outerShdw>
+              </a:effectLst>
+            </a:endParaRPr>
           </a:p>
         </p:txBody>
       </p:sp>
@@ -8711,7 +8401,7 @@
         </p:nvSpPr>
         <p:spPr>
           <a:xfrm>
-            <a:off x="387229" y="-357793"/>
+            <a:off x="387228" y="51639"/>
             <a:ext cx="9692640" cy="975707"/>
           </a:xfrm>
           <a:prstGeom prst="rect">
@@ -8720,7 +8410,7 @@
         </p:spPr>
         <p:txBody>
           <a:bodyPr vert="horz" lIns="91440" tIns="45720" rIns="91440" bIns="45720" rtlCol="0" anchor="b">
-            <a:normAutofit/>
+            <a:normAutofit lnSpcReduction="10000"/>
           </a:bodyPr>
           <a:lstStyle>
             <a:lvl1pPr algn="l" defTabSz="914400" rtl="0" eaLnBrk="1" latinLnBrk="0" hangingPunct="1">
@@ -8743,65 +8433,38 @@
           </a:lstStyle>
           <a:p>
             <a:r>
-              <a:rPr lang="en-US" sz="3600" b="1" dirty="0" smtClean="0"/>
-              <a:t>Functional Programming Techniques</a:t>
-            </a:r>
-            <a:endParaRPr lang="en-US" sz="3600" b="1" dirty="0"/>
-          </a:p>
-        </p:txBody>
-      </p:sp>
-      <p:sp>
-        <p:nvSpPr>
-          <p:cNvPr id="4" name="Title 1"/>
-          <p:cNvSpPr txBox="1">
-            <a:spLocks/>
-          </p:cNvSpPr>
-          <p:nvPr/>
-        </p:nvSpPr>
-        <p:spPr>
-          <a:xfrm>
-            <a:off x="7544727" y="-235160"/>
-            <a:ext cx="3714319" cy="847412"/>
-          </a:xfrm>
-          <a:prstGeom prst="rect">
-            <a:avLst/>
-          </a:prstGeom>
-        </p:spPr>
-        <p:txBody>
-          <a:bodyPr vert="horz" lIns="91440" tIns="45720" rIns="91440" bIns="45720" rtlCol="0" anchor="b">
-            <a:normAutofit/>
-          </a:bodyPr>
-          <a:lstStyle>
-            <a:lvl1pPr algn="l" defTabSz="914400" rtl="0" eaLnBrk="1" latinLnBrk="0" hangingPunct="1">
-              <a:lnSpc>
-                <a:spcPct val="85000"/>
-              </a:lnSpc>
-              <a:spcBef>
-                <a:spcPct val="0"/>
-              </a:spcBef>
-              <a:buNone/>
-              <a:defRPr sz="7200" kern="1200" spc="-50" baseline="0">
-                <a:solidFill>
-                  <a:schemeClr val="tx1"/>
-                </a:solidFill>
-                <a:latin typeface="+mj-lt"/>
-                <a:ea typeface="+mj-ea"/>
-                <a:cs typeface="+mj-cs"/>
-              </a:defRPr>
-            </a:lvl1pPr>
-          </a:lstStyle>
-          <a:p>
-            <a:pPr marL="342900" indent="-342900">
-              <a:lnSpc>
-                <a:spcPct val="150000"/>
-              </a:lnSpc>
-              <a:buFont typeface="Wingdings" panose="05000000000000000000" pitchFamily="2" charset="2"/>
-              <a:buChar char="§"/>
-            </a:pPr>
-            <a:r>
-              <a:rPr lang="en-US" sz="2000" dirty="0" smtClean="0"/>
-              <a:t>Higher order function</a:t>
-            </a:r>
+              <a:rPr lang="en-US" sz="3600" b="1" dirty="0" smtClean="0">
+                <a:effectLst>
+                  <a:outerShdw blurRad="38100" dist="38100" dir="2700000" algn="tl">
+                    <a:srgbClr val="000000">
+                      <a:alpha val="43137"/>
+                    </a:srgbClr>
+                  </a:outerShdw>
+                </a:effectLst>
+              </a:rPr>
+              <a:t>Functional Programming </a:t>
+            </a:r>
+            <a:r>
+              <a:rPr lang="en-US" sz="3600" b="1" dirty="0" smtClean="0">
+                <a:effectLst>
+                  <a:outerShdw blurRad="38100" dist="38100" dir="2700000" algn="tl">
+                    <a:srgbClr val="000000">
+                      <a:alpha val="43137"/>
+                    </a:srgbClr>
+                  </a:outerShdw>
+                </a:effectLst>
+              </a:rPr>
+              <a:t>Techniques – Higher Order Function</a:t>
+            </a:r>
+            <a:endParaRPr lang="en-US" sz="3600" b="1" dirty="0">
+              <a:effectLst>
+                <a:outerShdw blurRad="38100" dist="38100" dir="2700000" algn="tl">
+                  <a:srgbClr val="000000">
+                    <a:alpha val="43137"/>
+                  </a:srgbClr>
+                </a:outerShdw>
+              </a:effectLst>
+            </a:endParaRPr>
           </a:p>
         </p:txBody>
       </p:sp>
@@ -8827,7 +8490,7 @@
         </p:blipFill>
         <p:spPr>
           <a:xfrm>
-            <a:off x="387228" y="1019139"/>
+            <a:off x="380404" y="1155619"/>
             <a:ext cx="9354353" cy="5461173"/>
           </a:xfrm>
           <a:prstGeom prst="rect">
@@ -8914,65 +8577,38 @@
           </a:lstStyle>
           <a:p>
             <a:r>
-              <a:rPr lang="en-US" sz="3600" b="1" dirty="0" smtClean="0"/>
-              <a:t>Functional Programming Techniques</a:t>
-            </a:r>
-            <a:endParaRPr lang="en-US" sz="3600" b="1" dirty="0"/>
-          </a:p>
-        </p:txBody>
-      </p:sp>
-      <p:sp>
-        <p:nvSpPr>
-          <p:cNvPr id="4" name="Title 1"/>
-          <p:cNvSpPr txBox="1">
-            <a:spLocks/>
-          </p:cNvSpPr>
-          <p:nvPr/>
-        </p:nvSpPr>
-        <p:spPr>
-          <a:xfrm>
-            <a:off x="7544727" y="-314670"/>
-            <a:ext cx="3714319" cy="847412"/>
-          </a:xfrm>
-          <a:prstGeom prst="rect">
-            <a:avLst/>
-          </a:prstGeom>
-        </p:spPr>
-        <p:txBody>
-          <a:bodyPr vert="horz" lIns="91440" tIns="45720" rIns="91440" bIns="45720" rtlCol="0" anchor="b">
-            <a:normAutofit/>
-          </a:bodyPr>
-          <a:lstStyle>
-            <a:lvl1pPr algn="l" defTabSz="914400" rtl="0" eaLnBrk="1" latinLnBrk="0" hangingPunct="1">
-              <a:lnSpc>
-                <a:spcPct val="85000"/>
-              </a:lnSpc>
-              <a:spcBef>
-                <a:spcPct val="0"/>
-              </a:spcBef>
-              <a:buNone/>
-              <a:defRPr sz="7200" kern="1200" spc="-50" baseline="0">
-                <a:solidFill>
-                  <a:schemeClr val="tx1"/>
-                </a:solidFill>
-                <a:latin typeface="+mj-lt"/>
-                <a:ea typeface="+mj-ea"/>
-                <a:cs typeface="+mj-cs"/>
-              </a:defRPr>
-            </a:lvl1pPr>
-          </a:lstStyle>
-          <a:p>
-            <a:pPr marL="342900" indent="-342900">
-              <a:lnSpc>
-                <a:spcPct val="150000"/>
-              </a:lnSpc>
-              <a:buFont typeface="Wingdings" panose="05000000000000000000" pitchFamily="2" charset="2"/>
-              <a:buChar char="§"/>
-            </a:pPr>
-            <a:r>
-              <a:rPr lang="en-US" sz="2000" dirty="0" smtClean="0"/>
-              <a:t>Composition</a:t>
-            </a:r>
+              <a:rPr lang="en-US" sz="3600" b="1" dirty="0" smtClean="0">
+                <a:effectLst>
+                  <a:outerShdw blurRad="38100" dist="38100" dir="2700000" algn="tl">
+                    <a:srgbClr val="000000">
+                      <a:alpha val="43137"/>
+                    </a:srgbClr>
+                  </a:outerShdw>
+                </a:effectLst>
+              </a:rPr>
+              <a:t>Functional Programming </a:t>
+            </a:r>
+            <a:r>
+              <a:rPr lang="en-US" sz="3600" b="1" dirty="0" smtClean="0">
+                <a:effectLst>
+                  <a:outerShdw blurRad="38100" dist="38100" dir="2700000" algn="tl">
+                    <a:srgbClr val="000000">
+                      <a:alpha val="43137"/>
+                    </a:srgbClr>
+                  </a:outerShdw>
+                </a:effectLst>
+              </a:rPr>
+              <a:t>Techniques - Composition</a:t>
+            </a:r>
+            <a:endParaRPr lang="en-US" sz="3600" b="1" dirty="0">
+              <a:effectLst>
+                <a:outerShdw blurRad="38100" dist="38100" dir="2700000" algn="tl">
+                  <a:srgbClr val="000000">
+                    <a:alpha val="43137"/>
+                  </a:srgbClr>
+                </a:outerShdw>
+              </a:effectLst>
+            </a:endParaRPr>
           </a:p>
         </p:txBody>
       </p:sp>
@@ -9085,65 +8721,38 @@
           </a:lstStyle>
           <a:p>
             <a:r>
-              <a:rPr lang="en-US" sz="3600" b="1" dirty="0" smtClean="0"/>
-              <a:t>Functional Programming Techniques</a:t>
-            </a:r>
-            <a:endParaRPr lang="en-US" sz="3600" b="1" dirty="0"/>
-          </a:p>
-        </p:txBody>
-      </p:sp>
-      <p:sp>
-        <p:nvSpPr>
-          <p:cNvPr id="4" name="Title 1"/>
-          <p:cNvSpPr txBox="1">
-            <a:spLocks/>
-          </p:cNvSpPr>
-          <p:nvPr/>
-        </p:nvSpPr>
-        <p:spPr>
-          <a:xfrm>
-            <a:off x="7544727" y="-290817"/>
-            <a:ext cx="3714319" cy="847412"/>
-          </a:xfrm>
-          <a:prstGeom prst="rect">
-            <a:avLst/>
-          </a:prstGeom>
-        </p:spPr>
-        <p:txBody>
-          <a:bodyPr vert="horz" lIns="91440" tIns="45720" rIns="91440" bIns="45720" rtlCol="0" anchor="b">
-            <a:normAutofit/>
-          </a:bodyPr>
-          <a:lstStyle>
-            <a:lvl1pPr algn="l" defTabSz="914400" rtl="0" eaLnBrk="1" latinLnBrk="0" hangingPunct="1">
-              <a:lnSpc>
-                <a:spcPct val="85000"/>
-              </a:lnSpc>
-              <a:spcBef>
-                <a:spcPct val="0"/>
-              </a:spcBef>
-              <a:buNone/>
-              <a:defRPr sz="7200" kern="1200" spc="-50" baseline="0">
-                <a:solidFill>
-                  <a:schemeClr val="tx1"/>
-                </a:solidFill>
-                <a:latin typeface="+mj-lt"/>
-                <a:ea typeface="+mj-ea"/>
-                <a:cs typeface="+mj-cs"/>
-              </a:defRPr>
-            </a:lvl1pPr>
-          </a:lstStyle>
-          <a:p>
-            <a:pPr marL="342900" indent="-342900">
-              <a:lnSpc>
-                <a:spcPct val="150000"/>
-              </a:lnSpc>
-              <a:buFont typeface="Wingdings" panose="05000000000000000000" pitchFamily="2" charset="2"/>
-              <a:buChar char="§"/>
-            </a:pPr>
-            <a:r>
-              <a:rPr lang="en-US" sz="2000" dirty="0" smtClean="0"/>
-              <a:t>Combinators</a:t>
-            </a:r>
+              <a:rPr lang="en-US" sz="3600" b="1" dirty="0" smtClean="0">
+                <a:effectLst>
+                  <a:outerShdw blurRad="38100" dist="38100" dir="2700000" algn="tl">
+                    <a:srgbClr val="000000">
+                      <a:alpha val="43137"/>
+                    </a:srgbClr>
+                  </a:outerShdw>
+                </a:effectLst>
+              </a:rPr>
+              <a:t>Functional Programming </a:t>
+            </a:r>
+            <a:r>
+              <a:rPr lang="en-US" sz="3600" b="1" dirty="0" smtClean="0">
+                <a:effectLst>
+                  <a:outerShdw blurRad="38100" dist="38100" dir="2700000" algn="tl">
+                    <a:srgbClr val="000000">
+                      <a:alpha val="43137"/>
+                    </a:srgbClr>
+                  </a:outerShdw>
+                </a:effectLst>
+              </a:rPr>
+              <a:t>Techniques - Combinators</a:t>
+            </a:r>
+            <a:endParaRPr lang="en-US" sz="3600" b="1" dirty="0">
+              <a:effectLst>
+                <a:outerShdw blurRad="38100" dist="38100" dir="2700000" algn="tl">
+                  <a:srgbClr val="000000">
+                    <a:alpha val="43137"/>
+                  </a:srgbClr>
+                </a:outerShdw>
+              </a:effectLst>
+            </a:endParaRPr>
           </a:p>
         </p:txBody>
       </p:sp>
@@ -9176,29 +8785,13 @@
           <a:p>
             <a:r>
               <a:rPr lang="en-US" b="1" dirty="0" smtClean="0"/>
-              <a:t>Function composition is simply one of many </a:t>
-            </a:r>
-            <a:r>
-              <a:rPr lang="en-US" b="1" dirty="0" err="1" smtClean="0"/>
-              <a:t>combinators</a:t>
-            </a:r>
+              <a:t>Function composition is simply one of many combinators.</a:t>
+            </a:r>
+          </a:p>
+          <a:p>
             <a:r>
               <a:rPr lang="en-US" b="1" dirty="0" smtClean="0"/>
-              <a:t>.</a:t>
-            </a:r>
-          </a:p>
-          <a:p>
-            <a:r>
-              <a:rPr lang="en-US" b="1" dirty="0" smtClean="0"/>
-              <a:t>Tacit programming (point-free programming) is a programming paradigm in which a function definition does not include information regarding its arguments, using </a:t>
-            </a:r>
-            <a:r>
-              <a:rPr lang="en-US" b="1" dirty="0" err="1" smtClean="0"/>
-              <a:t>combinators</a:t>
-            </a:r>
-            <a:r>
-              <a:rPr lang="en-US" b="1" dirty="0" smtClean="0"/>
-              <a:t> and composition in the function declaration instead of arguments</a:t>
+              <a:t>Tacit programming (point-free programming) is a programming paradigm in which a function definition does not include information regarding its arguments, using combinators and composition in the function declaration instead of arguments</a:t>
             </a:r>
             <a:endParaRPr lang="en-US" b="1" dirty="0"/>
           </a:p>
@@ -9212,7 +8805,7 @@
         </p:nvSpPr>
         <p:spPr>
           <a:xfrm>
-            <a:off x="387229" y="2301425"/>
+            <a:off x="387229" y="2628971"/>
             <a:ext cx="7044856" cy="1615827"/>
           </a:xfrm>
           <a:prstGeom prst="rect">
@@ -9442,65 +9035,38 @@
           </a:lstStyle>
           <a:p>
             <a:r>
-              <a:rPr lang="en-US" sz="3600" b="1" dirty="0" smtClean="0"/>
-              <a:t>Functional Programming Techniques</a:t>
-            </a:r>
-            <a:endParaRPr lang="en-US" sz="3600" b="1" dirty="0"/>
-          </a:p>
-        </p:txBody>
-      </p:sp>
-      <p:sp>
-        <p:nvSpPr>
-          <p:cNvPr id="4" name="Title 1"/>
-          <p:cNvSpPr txBox="1">
-            <a:spLocks/>
-          </p:cNvSpPr>
-          <p:nvPr/>
-        </p:nvSpPr>
-        <p:spPr>
-          <a:xfrm>
-            <a:off x="7544727" y="-290817"/>
-            <a:ext cx="3714319" cy="847412"/>
-          </a:xfrm>
-          <a:prstGeom prst="rect">
-            <a:avLst/>
-          </a:prstGeom>
-        </p:spPr>
-        <p:txBody>
-          <a:bodyPr vert="horz" lIns="91440" tIns="45720" rIns="91440" bIns="45720" rtlCol="0" anchor="b">
-            <a:normAutofit/>
-          </a:bodyPr>
-          <a:lstStyle>
-            <a:lvl1pPr algn="l" defTabSz="914400" rtl="0" eaLnBrk="1" latinLnBrk="0" hangingPunct="1">
-              <a:lnSpc>
-                <a:spcPct val="85000"/>
-              </a:lnSpc>
-              <a:spcBef>
-                <a:spcPct val="0"/>
-              </a:spcBef>
-              <a:buNone/>
-              <a:defRPr sz="7200" kern="1200" spc="-50" baseline="0">
-                <a:solidFill>
-                  <a:schemeClr val="tx1"/>
-                </a:solidFill>
-                <a:latin typeface="+mj-lt"/>
-                <a:ea typeface="+mj-ea"/>
-                <a:cs typeface="+mj-cs"/>
-              </a:defRPr>
-            </a:lvl1pPr>
-          </a:lstStyle>
-          <a:p>
-            <a:pPr marL="342900" indent="-342900">
-              <a:lnSpc>
-                <a:spcPct val="150000"/>
-              </a:lnSpc>
-              <a:buFont typeface="Wingdings" panose="05000000000000000000" pitchFamily="2" charset="2"/>
-              <a:buChar char="§"/>
-            </a:pPr>
-            <a:r>
-              <a:rPr lang="en-US" sz="2000" dirty="0" smtClean="0"/>
-              <a:t>Combinators</a:t>
-            </a:r>
+              <a:rPr lang="en-US" sz="3600" b="1" dirty="0" smtClean="0">
+                <a:effectLst>
+                  <a:outerShdw blurRad="38100" dist="38100" dir="2700000" algn="tl">
+                    <a:srgbClr val="000000">
+                      <a:alpha val="43137"/>
+                    </a:srgbClr>
+                  </a:outerShdw>
+                </a:effectLst>
+              </a:rPr>
+              <a:t>Functional Programming </a:t>
+            </a:r>
+            <a:r>
+              <a:rPr lang="en-US" sz="3600" b="1" dirty="0" smtClean="0">
+                <a:effectLst>
+                  <a:outerShdw blurRad="38100" dist="38100" dir="2700000" algn="tl">
+                    <a:srgbClr val="000000">
+                      <a:alpha val="43137"/>
+                    </a:srgbClr>
+                  </a:outerShdw>
+                </a:effectLst>
+              </a:rPr>
+              <a:t>Techniques - Combinators</a:t>
+            </a:r>
+            <a:endParaRPr lang="en-US" sz="3600" b="1" dirty="0">
+              <a:effectLst>
+                <a:outerShdw blurRad="38100" dist="38100" dir="2700000" algn="tl">
+                  <a:srgbClr val="000000">
+                    <a:alpha val="43137"/>
+                  </a:srgbClr>
+                </a:outerShdw>
+              </a:effectLst>
+            </a:endParaRPr>
           </a:p>
         </p:txBody>
       </p:sp>
@@ -9613,65 +9179,38 @@
           </a:lstStyle>
           <a:p>
             <a:r>
-              <a:rPr lang="en-US" sz="3600" b="1" dirty="0" smtClean="0"/>
-              <a:t>Functional Programming Techniques</a:t>
-            </a:r>
-            <a:endParaRPr lang="en-US" sz="3600" b="1" dirty="0"/>
-          </a:p>
-        </p:txBody>
-      </p:sp>
-      <p:sp>
-        <p:nvSpPr>
-          <p:cNvPr id="4" name="Title 1"/>
-          <p:cNvSpPr txBox="1">
-            <a:spLocks/>
-          </p:cNvSpPr>
-          <p:nvPr/>
-        </p:nvSpPr>
-        <p:spPr>
-          <a:xfrm>
-            <a:off x="7544727" y="-290817"/>
-            <a:ext cx="3714319" cy="847412"/>
-          </a:xfrm>
-          <a:prstGeom prst="rect">
-            <a:avLst/>
-          </a:prstGeom>
-        </p:spPr>
-        <p:txBody>
-          <a:bodyPr vert="horz" lIns="91440" tIns="45720" rIns="91440" bIns="45720" rtlCol="0" anchor="b">
-            <a:normAutofit/>
-          </a:bodyPr>
-          <a:lstStyle>
-            <a:lvl1pPr algn="l" defTabSz="914400" rtl="0" eaLnBrk="1" latinLnBrk="0" hangingPunct="1">
-              <a:lnSpc>
-                <a:spcPct val="85000"/>
-              </a:lnSpc>
-              <a:spcBef>
-                <a:spcPct val="0"/>
-              </a:spcBef>
-              <a:buNone/>
-              <a:defRPr sz="7200" kern="1200" spc="-50" baseline="0">
-                <a:solidFill>
-                  <a:schemeClr val="tx1"/>
-                </a:solidFill>
-                <a:latin typeface="+mj-lt"/>
-                <a:ea typeface="+mj-ea"/>
-                <a:cs typeface="+mj-cs"/>
-              </a:defRPr>
-            </a:lvl1pPr>
-          </a:lstStyle>
-          <a:p>
-            <a:pPr marL="342900" indent="-342900">
-              <a:lnSpc>
-                <a:spcPct val="150000"/>
-              </a:lnSpc>
-              <a:buFont typeface="Wingdings" panose="05000000000000000000" pitchFamily="2" charset="2"/>
-              <a:buChar char="§"/>
-            </a:pPr>
-            <a:r>
-              <a:rPr lang="en-US" sz="2000" dirty="0" smtClean="0"/>
-              <a:t>Combinators</a:t>
-            </a:r>
+              <a:rPr lang="en-US" sz="3600" b="1" dirty="0" smtClean="0">
+                <a:effectLst>
+                  <a:outerShdw blurRad="38100" dist="38100" dir="2700000" algn="tl">
+                    <a:srgbClr val="000000">
+                      <a:alpha val="43137"/>
+                    </a:srgbClr>
+                  </a:outerShdw>
+                </a:effectLst>
+              </a:rPr>
+              <a:t>Functional Programming </a:t>
+            </a:r>
+            <a:r>
+              <a:rPr lang="en-US" sz="3600" b="1" dirty="0" smtClean="0">
+                <a:effectLst>
+                  <a:outerShdw blurRad="38100" dist="38100" dir="2700000" algn="tl">
+                    <a:srgbClr val="000000">
+                      <a:alpha val="43137"/>
+                    </a:srgbClr>
+                  </a:outerShdw>
+                </a:effectLst>
+              </a:rPr>
+              <a:t>Techniques - Combinators</a:t>
+            </a:r>
+            <a:endParaRPr lang="en-US" sz="3600" b="1" dirty="0">
+              <a:effectLst>
+                <a:outerShdw blurRad="38100" dist="38100" dir="2700000" algn="tl">
+                  <a:srgbClr val="000000">
+                    <a:alpha val="43137"/>
+                  </a:srgbClr>
+                </a:outerShdw>
+              </a:effectLst>
+            </a:endParaRPr>
           </a:p>
         </p:txBody>
       </p:sp>
@@ -9784,65 +9323,38 @@
           </a:lstStyle>
           <a:p>
             <a:r>
-              <a:rPr lang="en-US" sz="3600" b="1" dirty="0" smtClean="0"/>
-              <a:t>Functional Programming Techniques</a:t>
-            </a:r>
-            <a:endParaRPr lang="en-US" sz="3600" b="1" dirty="0"/>
-          </a:p>
-        </p:txBody>
-      </p:sp>
-      <p:sp>
-        <p:nvSpPr>
-          <p:cNvPr id="4" name="Title 1"/>
-          <p:cNvSpPr txBox="1">
-            <a:spLocks/>
-          </p:cNvSpPr>
-          <p:nvPr/>
-        </p:nvSpPr>
-        <p:spPr>
-          <a:xfrm>
-            <a:off x="7544727" y="-290817"/>
-            <a:ext cx="3714319" cy="847412"/>
-          </a:xfrm>
-          <a:prstGeom prst="rect">
-            <a:avLst/>
-          </a:prstGeom>
-        </p:spPr>
-        <p:txBody>
-          <a:bodyPr vert="horz" lIns="91440" tIns="45720" rIns="91440" bIns="45720" rtlCol="0" anchor="b">
-            <a:normAutofit/>
-          </a:bodyPr>
-          <a:lstStyle>
-            <a:lvl1pPr algn="l" defTabSz="914400" rtl="0" eaLnBrk="1" latinLnBrk="0" hangingPunct="1">
-              <a:lnSpc>
-                <a:spcPct val="85000"/>
-              </a:lnSpc>
-              <a:spcBef>
-                <a:spcPct val="0"/>
-              </a:spcBef>
-              <a:buNone/>
-              <a:defRPr sz="7200" kern="1200" spc="-50" baseline="0">
-                <a:solidFill>
-                  <a:schemeClr val="tx1"/>
-                </a:solidFill>
-                <a:latin typeface="+mj-lt"/>
-                <a:ea typeface="+mj-ea"/>
-                <a:cs typeface="+mj-cs"/>
-              </a:defRPr>
-            </a:lvl1pPr>
-          </a:lstStyle>
-          <a:p>
-            <a:pPr marL="342900" indent="-342900">
-              <a:lnSpc>
-                <a:spcPct val="150000"/>
-              </a:lnSpc>
-              <a:buFont typeface="Wingdings" panose="05000000000000000000" pitchFamily="2" charset="2"/>
-              <a:buChar char="§"/>
-            </a:pPr>
-            <a:r>
-              <a:rPr lang="en-US" sz="2000" dirty="0" smtClean="0"/>
-              <a:t>Combinators</a:t>
-            </a:r>
+              <a:rPr lang="en-US" sz="3600" b="1" dirty="0" smtClean="0">
+                <a:effectLst>
+                  <a:outerShdw blurRad="38100" dist="38100" dir="2700000" algn="tl">
+                    <a:srgbClr val="000000">
+                      <a:alpha val="43137"/>
+                    </a:srgbClr>
+                  </a:outerShdw>
+                </a:effectLst>
+              </a:rPr>
+              <a:t>Functional Programming </a:t>
+            </a:r>
+            <a:r>
+              <a:rPr lang="en-US" sz="3600" b="1" dirty="0" smtClean="0">
+                <a:effectLst>
+                  <a:outerShdw blurRad="38100" dist="38100" dir="2700000" algn="tl">
+                    <a:srgbClr val="000000">
+                      <a:alpha val="43137"/>
+                    </a:srgbClr>
+                  </a:outerShdw>
+                </a:effectLst>
+              </a:rPr>
+              <a:t>Techniques - Combinators</a:t>
+            </a:r>
+            <a:endParaRPr lang="en-US" sz="3600" b="1" dirty="0">
+              <a:effectLst>
+                <a:outerShdw blurRad="38100" dist="38100" dir="2700000" algn="tl">
+                  <a:srgbClr val="000000">
+                    <a:alpha val="43137"/>
+                  </a:srgbClr>
+                </a:outerShdw>
+              </a:effectLst>
+            </a:endParaRPr>
           </a:p>
         </p:txBody>
       </p:sp>
@@ -9923,8 +9435,8 @@
         </p:nvSpPr>
         <p:spPr>
           <a:xfrm>
-            <a:off x="387229" y="-357793"/>
-            <a:ext cx="9692640" cy="975707"/>
+            <a:off x="387229" y="114720"/>
+            <a:ext cx="12086825" cy="975707"/>
           </a:xfrm>
           <a:prstGeom prst="rect">
             <a:avLst/>
@@ -9955,65 +9467,52 @@
           </a:lstStyle>
           <a:p>
             <a:r>
-              <a:rPr lang="en-US" sz="3600" b="1" dirty="0" smtClean="0"/>
-              <a:t>Functional Programming Techniques</a:t>
-            </a:r>
-            <a:endParaRPr lang="en-US" sz="3600" b="1" dirty="0"/>
-          </a:p>
-        </p:txBody>
-      </p:sp>
-      <p:sp>
-        <p:nvSpPr>
-          <p:cNvPr id="4" name="Title 1"/>
-          <p:cNvSpPr txBox="1">
-            <a:spLocks/>
-          </p:cNvSpPr>
-          <p:nvPr/>
-        </p:nvSpPr>
-        <p:spPr>
-          <a:xfrm>
-            <a:off x="7544727" y="-290817"/>
-            <a:ext cx="3714319" cy="847412"/>
-          </a:xfrm>
-          <a:prstGeom prst="rect">
-            <a:avLst/>
-          </a:prstGeom>
-        </p:spPr>
-        <p:txBody>
-          <a:bodyPr vert="horz" lIns="91440" tIns="45720" rIns="91440" bIns="45720" rtlCol="0" anchor="b">
-            <a:normAutofit/>
-          </a:bodyPr>
-          <a:lstStyle>
-            <a:lvl1pPr algn="l" defTabSz="914400" rtl="0" eaLnBrk="1" latinLnBrk="0" hangingPunct="1">
-              <a:lnSpc>
-                <a:spcPct val="85000"/>
-              </a:lnSpc>
-              <a:spcBef>
-                <a:spcPct val="0"/>
-              </a:spcBef>
-              <a:buNone/>
-              <a:defRPr sz="7200" kern="1200" spc="-50" baseline="0">
-                <a:solidFill>
-                  <a:schemeClr val="tx1"/>
-                </a:solidFill>
-                <a:latin typeface="+mj-lt"/>
-                <a:ea typeface="+mj-ea"/>
-                <a:cs typeface="+mj-cs"/>
-              </a:defRPr>
-            </a:lvl1pPr>
-          </a:lstStyle>
-          <a:p>
-            <a:pPr marL="342900" indent="-342900">
-              <a:lnSpc>
-                <a:spcPct val="150000"/>
-              </a:lnSpc>
-              <a:buFont typeface="Wingdings" panose="05000000000000000000" pitchFamily="2" charset="2"/>
-              <a:buChar char="§"/>
-            </a:pPr>
-            <a:r>
-              <a:rPr lang="en-US" sz="2000" dirty="0" smtClean="0"/>
+              <a:rPr lang="en-US" sz="3600" b="1" dirty="0" smtClean="0">
+                <a:effectLst>
+                  <a:outerShdw blurRad="38100" dist="38100" dir="2700000" algn="tl">
+                    <a:srgbClr val="000000">
+                      <a:alpha val="43137"/>
+                    </a:srgbClr>
+                  </a:outerShdw>
+                </a:effectLst>
+              </a:rPr>
+              <a:t>Functional Programming </a:t>
+            </a:r>
+            <a:r>
+              <a:rPr lang="en-US" sz="3600" b="1" dirty="0" smtClean="0">
+                <a:effectLst>
+                  <a:outerShdw blurRad="38100" dist="38100" dir="2700000" algn="tl">
+                    <a:srgbClr val="000000">
+                      <a:alpha val="43137"/>
+                    </a:srgbClr>
+                  </a:outerShdw>
+                </a:effectLst>
+              </a:rPr>
+              <a:t>Techniques - </a:t>
+            </a:r>
+            <a:r>
+              <a:rPr lang="en-US" sz="3600" b="1" dirty="0">
+                <a:effectLst>
+                  <a:outerShdw blurRad="38100" dist="38100" dir="2700000" algn="tl">
+                    <a:srgbClr val="000000">
+                      <a:alpha val="43137"/>
+                    </a:srgbClr>
+                  </a:outerShdw>
+                </a:effectLst>
+              </a:rPr>
               <a:t>Currying / Partial application</a:t>
             </a:r>
+          </a:p>
+          <a:p>
+            <a:endParaRPr lang="en-US" sz="3600" b="1" dirty="0">
+              <a:effectLst>
+                <a:outerShdw blurRad="38100" dist="38100" dir="2700000" algn="tl">
+                  <a:srgbClr val="000000">
+                    <a:alpha val="43137"/>
+                  </a:srgbClr>
+                </a:outerShdw>
+              </a:effectLst>
+            </a:endParaRPr>
           </a:p>
         </p:txBody>
       </p:sp>
@@ -10025,7 +9524,7 @@
         </p:nvSpPr>
         <p:spPr>
           <a:xfrm>
-            <a:off x="387229" y="943080"/>
+            <a:off x="387229" y="1329685"/>
             <a:ext cx="9501544" cy="369332"/>
           </a:xfrm>
           <a:prstGeom prst="rect">
@@ -10076,15 +9575,7 @@
             </a:br>
             <a:r>
               <a:rPr lang="en-US" b="1" dirty="0" smtClean="0"/>
-              <a:t>Currying </a:t>
-            </a:r>
-            <a:r>
-              <a:rPr lang="en-US" b="1" dirty="0" smtClean="0"/>
-              <a:t>enables Partial Application, and together they help</a:t>
-            </a:r>
-            <a:r>
-              <a:rPr lang="en-US" b="1" dirty="0" smtClean="0"/>
-              <a:t>:</a:t>
+              <a:t>Currying enables Partial Application, and together they help:</a:t>
             </a:r>
           </a:p>
           <a:p>
@@ -10220,65 +9711,38 @@
           </a:lstStyle>
           <a:p>
             <a:r>
-              <a:rPr lang="en-US" sz="3600" b="1" dirty="0" smtClean="0"/>
-              <a:t>Functional Programming Techniques</a:t>
-            </a:r>
-            <a:endParaRPr lang="en-US" sz="3600" b="1" dirty="0"/>
-          </a:p>
-        </p:txBody>
-      </p:sp>
-      <p:sp>
-        <p:nvSpPr>
-          <p:cNvPr id="4" name="Title 1"/>
-          <p:cNvSpPr txBox="1">
-            <a:spLocks/>
-          </p:cNvSpPr>
-          <p:nvPr/>
-        </p:nvSpPr>
-        <p:spPr>
-          <a:xfrm>
-            <a:off x="7544727" y="-290817"/>
-            <a:ext cx="3714319" cy="847412"/>
-          </a:xfrm>
-          <a:prstGeom prst="rect">
-            <a:avLst/>
-          </a:prstGeom>
-        </p:spPr>
-        <p:txBody>
-          <a:bodyPr vert="horz" lIns="91440" tIns="45720" rIns="91440" bIns="45720" rtlCol="0" anchor="b">
-            <a:normAutofit/>
-          </a:bodyPr>
-          <a:lstStyle>
-            <a:lvl1pPr algn="l" defTabSz="914400" rtl="0" eaLnBrk="1" latinLnBrk="0" hangingPunct="1">
-              <a:lnSpc>
-                <a:spcPct val="85000"/>
-              </a:lnSpc>
-              <a:spcBef>
-                <a:spcPct val="0"/>
-              </a:spcBef>
-              <a:buNone/>
-              <a:defRPr sz="7200" kern="1200" spc="-50" baseline="0">
-                <a:solidFill>
-                  <a:schemeClr val="tx1"/>
-                </a:solidFill>
-                <a:latin typeface="+mj-lt"/>
-                <a:ea typeface="+mj-ea"/>
-                <a:cs typeface="+mj-cs"/>
-              </a:defRPr>
-            </a:lvl1pPr>
-          </a:lstStyle>
-          <a:p>
-            <a:pPr marL="342900" indent="-342900">
-              <a:lnSpc>
-                <a:spcPct val="150000"/>
-              </a:lnSpc>
-              <a:buFont typeface="Wingdings" panose="05000000000000000000" pitchFamily="2" charset="2"/>
-              <a:buChar char="§"/>
-            </a:pPr>
-            <a:r>
-              <a:rPr lang="en-US" sz="2000" dirty="0" smtClean="0"/>
-              <a:t>Example: Filter</a:t>
-            </a:r>
+              <a:rPr lang="en-US" sz="3600" b="1" dirty="0" smtClean="0">
+                <a:effectLst>
+                  <a:outerShdw blurRad="38100" dist="38100" dir="2700000" algn="tl">
+                    <a:srgbClr val="000000">
+                      <a:alpha val="43137"/>
+                    </a:srgbClr>
+                  </a:outerShdw>
+                </a:effectLst>
+              </a:rPr>
+              <a:t>Functional Programming </a:t>
+            </a:r>
+            <a:r>
+              <a:rPr lang="en-US" sz="3600" b="1" dirty="0" smtClean="0">
+                <a:effectLst>
+                  <a:outerShdw blurRad="38100" dist="38100" dir="2700000" algn="tl">
+                    <a:srgbClr val="000000">
+                      <a:alpha val="43137"/>
+                    </a:srgbClr>
+                  </a:outerShdw>
+                </a:effectLst>
+              </a:rPr>
+              <a:t>Techniques – Example: Filter</a:t>
+            </a:r>
+            <a:endParaRPr lang="en-US" sz="3600" b="1" dirty="0">
+              <a:effectLst>
+                <a:outerShdw blurRad="38100" dist="38100" dir="2700000" algn="tl">
+                  <a:srgbClr val="000000">
+                    <a:alpha val="43137"/>
+                  </a:srgbClr>
+                </a:outerShdw>
+              </a:effectLst>
+            </a:endParaRPr>
           </a:p>
         </p:txBody>
       </p:sp>
@@ -10420,65 +9884,38 @@
           </a:lstStyle>
           <a:p>
             <a:r>
-              <a:rPr lang="en-US" sz="3600" b="1" dirty="0" smtClean="0"/>
-              <a:t>Functional Programming Techniques</a:t>
-            </a:r>
-            <a:endParaRPr lang="en-US" sz="3600" b="1" dirty="0"/>
-          </a:p>
-        </p:txBody>
-      </p:sp>
-      <p:sp>
-        <p:nvSpPr>
-          <p:cNvPr id="4" name="Title 1"/>
-          <p:cNvSpPr txBox="1">
-            <a:spLocks/>
-          </p:cNvSpPr>
-          <p:nvPr/>
-        </p:nvSpPr>
-        <p:spPr>
-          <a:xfrm>
-            <a:off x="7544727" y="-290817"/>
-            <a:ext cx="3714319" cy="847412"/>
-          </a:xfrm>
-          <a:prstGeom prst="rect">
-            <a:avLst/>
-          </a:prstGeom>
-        </p:spPr>
-        <p:txBody>
-          <a:bodyPr vert="horz" lIns="91440" tIns="45720" rIns="91440" bIns="45720" rtlCol="0" anchor="b">
-            <a:normAutofit/>
-          </a:bodyPr>
-          <a:lstStyle>
-            <a:lvl1pPr algn="l" defTabSz="914400" rtl="0" eaLnBrk="1" latinLnBrk="0" hangingPunct="1">
-              <a:lnSpc>
-                <a:spcPct val="85000"/>
-              </a:lnSpc>
-              <a:spcBef>
-                <a:spcPct val="0"/>
-              </a:spcBef>
-              <a:buNone/>
-              <a:defRPr sz="7200" kern="1200" spc="-50" baseline="0">
-                <a:solidFill>
-                  <a:schemeClr val="tx1"/>
-                </a:solidFill>
-                <a:latin typeface="+mj-lt"/>
-                <a:ea typeface="+mj-ea"/>
-                <a:cs typeface="+mj-cs"/>
-              </a:defRPr>
-            </a:lvl1pPr>
-          </a:lstStyle>
-          <a:p>
-            <a:pPr marL="342900" indent="-342900">
-              <a:lnSpc>
-                <a:spcPct val="150000"/>
-              </a:lnSpc>
-              <a:buFont typeface="Wingdings" panose="05000000000000000000" pitchFamily="2" charset="2"/>
-              <a:buChar char="§"/>
-            </a:pPr>
-            <a:r>
-              <a:rPr lang="en-US" sz="2000" dirty="0" smtClean="0"/>
-              <a:t>Example: Map</a:t>
-            </a:r>
+              <a:rPr lang="en-US" sz="3600" b="1" dirty="0" smtClean="0">
+                <a:effectLst>
+                  <a:outerShdw blurRad="38100" dist="38100" dir="2700000" algn="tl">
+                    <a:srgbClr val="000000">
+                      <a:alpha val="43137"/>
+                    </a:srgbClr>
+                  </a:outerShdw>
+                </a:effectLst>
+              </a:rPr>
+              <a:t>Functional Programming </a:t>
+            </a:r>
+            <a:r>
+              <a:rPr lang="en-US" sz="3600" b="1" dirty="0" smtClean="0">
+                <a:effectLst>
+                  <a:outerShdw blurRad="38100" dist="38100" dir="2700000" algn="tl">
+                    <a:srgbClr val="000000">
+                      <a:alpha val="43137"/>
+                    </a:srgbClr>
+                  </a:outerShdw>
+                </a:effectLst>
+              </a:rPr>
+              <a:t>Techniques – Example: Map</a:t>
+            </a:r>
+            <a:endParaRPr lang="en-US" sz="3600" b="1" dirty="0">
+              <a:effectLst>
+                <a:outerShdw blurRad="38100" dist="38100" dir="2700000" algn="tl">
+                  <a:srgbClr val="000000">
+                    <a:alpha val="43137"/>
+                  </a:srgbClr>
+                </a:outerShdw>
+              </a:effectLst>
+            </a:endParaRPr>
           </a:p>
         </p:txBody>
       </p:sp>
@@ -10620,65 +10057,50 @@
           </a:lstStyle>
           <a:p>
             <a:r>
-              <a:rPr lang="en-US" sz="3600" b="1" dirty="0" smtClean="0"/>
-              <a:t>JavaScript Overview</a:t>
-            </a:r>
-            <a:endParaRPr lang="en-US" sz="3600" b="1" dirty="0"/>
-          </a:p>
-        </p:txBody>
-      </p:sp>
-      <p:sp>
-        <p:nvSpPr>
-          <p:cNvPr id="6" name="Title 1"/>
-          <p:cNvSpPr txBox="1">
-            <a:spLocks/>
-          </p:cNvSpPr>
-          <p:nvPr/>
-        </p:nvSpPr>
-        <p:spPr>
-          <a:xfrm>
-            <a:off x="7544728" y="-44330"/>
-            <a:ext cx="2219475" cy="630440"/>
-          </a:xfrm>
-          <a:prstGeom prst="rect">
-            <a:avLst/>
-          </a:prstGeom>
-        </p:spPr>
-        <p:txBody>
-          <a:bodyPr vert="horz" lIns="91440" tIns="45720" rIns="91440" bIns="45720" rtlCol="0" anchor="b">
-            <a:normAutofit/>
-          </a:bodyPr>
-          <a:lstStyle>
-            <a:lvl1pPr algn="l" defTabSz="914400" rtl="0" eaLnBrk="1" latinLnBrk="0" hangingPunct="1">
-              <a:lnSpc>
-                <a:spcPct val="85000"/>
-              </a:lnSpc>
-              <a:spcBef>
-                <a:spcPct val="0"/>
-              </a:spcBef>
-              <a:buNone/>
-              <a:defRPr sz="7200" kern="1200" spc="-50" baseline="0">
-                <a:solidFill>
-                  <a:schemeClr val="tx1"/>
-                </a:solidFill>
-                <a:latin typeface="+mj-lt"/>
-                <a:ea typeface="+mj-ea"/>
-                <a:cs typeface="+mj-cs"/>
-              </a:defRPr>
-            </a:lvl1pPr>
-          </a:lstStyle>
-          <a:p>
-            <a:pPr marL="342900" indent="-342900">
-              <a:lnSpc>
-                <a:spcPct val="150000"/>
-              </a:lnSpc>
-              <a:buFont typeface="Wingdings" panose="05000000000000000000" pitchFamily="2" charset="2"/>
-              <a:buChar char="§"/>
-            </a:pPr>
-            <a:r>
-              <a:rPr lang="en-US" sz="2000" dirty="0" smtClean="0"/>
-              <a:t>Type System</a:t>
-            </a:r>
+              <a:rPr lang="en-US" sz="3600" b="1" dirty="0" smtClean="0">
+                <a:effectLst>
+                  <a:outerShdw blurRad="38100" dist="38100" dir="2700000" algn="tl">
+                    <a:srgbClr val="000000">
+                      <a:alpha val="43137"/>
+                    </a:srgbClr>
+                  </a:outerShdw>
+                </a:effectLst>
+              </a:rPr>
+              <a:t>JavaScript </a:t>
+            </a:r>
+            <a:r>
+              <a:rPr lang="en-US" sz="3600" b="1" dirty="0" smtClean="0">
+                <a:effectLst>
+                  <a:outerShdw blurRad="38100" dist="38100" dir="2700000" algn="tl">
+                    <a:srgbClr val="000000">
+                      <a:alpha val="43137"/>
+                    </a:srgbClr>
+                  </a:outerShdw>
+                </a:effectLst>
+              </a:rPr>
+              <a:t>Overview – Type Syste</a:t>
+            </a:r>
+            <a:r>
+              <a:rPr lang="en-US" sz="3600" b="1" dirty="0">
+                <a:effectLst>
+                  <a:outerShdw blurRad="38100" dist="38100" dir="2700000" algn="tl">
+                    <a:srgbClr val="000000">
+                      <a:alpha val="43137"/>
+                    </a:srgbClr>
+                  </a:outerShdw>
+                </a:effectLst>
+              </a:rPr>
+              <a:t>m</a:t>
+            </a:r>
+            <a:endParaRPr lang="en-US" sz="3600" b="1" dirty="0">
+              <a:effectLst>
+                <a:outerShdw blurRad="38100" dist="38100" dir="2700000" algn="tl">
+                  <a:srgbClr val="000000">
+                    <a:alpha val="43137"/>
+                  </a:srgbClr>
+                </a:outerShdw>
+              </a:effectLst>
+            </a:endParaRPr>
           </a:p>
         </p:txBody>
       </p:sp>
@@ -10802,8 +10224,8 @@
         </p:nvSpPr>
         <p:spPr>
           <a:xfrm>
-            <a:off x="387229" y="-357793"/>
-            <a:ext cx="9692640" cy="975707"/>
+            <a:off x="387228" y="-357793"/>
+            <a:ext cx="11383965" cy="975707"/>
           </a:xfrm>
           <a:prstGeom prst="rect">
             <a:avLst/>
@@ -10834,65 +10256,38 @@
           </a:lstStyle>
           <a:p>
             <a:r>
-              <a:rPr lang="en-US" sz="3600" b="1" dirty="0" smtClean="0"/>
-              <a:t>Functional Programming Techniques</a:t>
-            </a:r>
-            <a:endParaRPr lang="en-US" sz="3600" b="1" dirty="0"/>
-          </a:p>
-        </p:txBody>
-      </p:sp>
-      <p:sp>
-        <p:nvSpPr>
-          <p:cNvPr id="4" name="Title 1"/>
-          <p:cNvSpPr txBox="1">
-            <a:spLocks/>
-          </p:cNvSpPr>
-          <p:nvPr/>
-        </p:nvSpPr>
-        <p:spPr>
-          <a:xfrm>
-            <a:off x="7544727" y="-290817"/>
-            <a:ext cx="3714319" cy="847412"/>
-          </a:xfrm>
-          <a:prstGeom prst="rect">
-            <a:avLst/>
-          </a:prstGeom>
-        </p:spPr>
-        <p:txBody>
-          <a:bodyPr vert="horz" lIns="91440" tIns="45720" rIns="91440" bIns="45720" rtlCol="0" anchor="b">
-            <a:normAutofit/>
-          </a:bodyPr>
-          <a:lstStyle>
-            <a:lvl1pPr algn="l" defTabSz="914400" rtl="0" eaLnBrk="1" latinLnBrk="0" hangingPunct="1">
-              <a:lnSpc>
-                <a:spcPct val="85000"/>
-              </a:lnSpc>
-              <a:spcBef>
-                <a:spcPct val="0"/>
-              </a:spcBef>
-              <a:buNone/>
-              <a:defRPr sz="7200" kern="1200" spc="-50" baseline="0">
-                <a:solidFill>
-                  <a:schemeClr val="tx1"/>
-                </a:solidFill>
-                <a:latin typeface="+mj-lt"/>
-                <a:ea typeface="+mj-ea"/>
-                <a:cs typeface="+mj-cs"/>
-              </a:defRPr>
-            </a:lvl1pPr>
-          </a:lstStyle>
-          <a:p>
-            <a:pPr marL="342900" indent="-342900">
-              <a:lnSpc>
-                <a:spcPct val="150000"/>
-              </a:lnSpc>
-              <a:buFont typeface="Wingdings" panose="05000000000000000000" pitchFamily="2" charset="2"/>
-              <a:buChar char="§"/>
-            </a:pPr>
-            <a:r>
-              <a:rPr lang="en-US" sz="2000" dirty="0" smtClean="0"/>
-              <a:t>Example: Reduce (Fold)</a:t>
-            </a:r>
+              <a:rPr lang="en-US" sz="3600" b="1" dirty="0" smtClean="0">
+                <a:effectLst>
+                  <a:outerShdw blurRad="38100" dist="38100" dir="2700000" algn="tl">
+                    <a:srgbClr val="000000">
+                      <a:alpha val="43137"/>
+                    </a:srgbClr>
+                  </a:outerShdw>
+                </a:effectLst>
+              </a:rPr>
+              <a:t>Functional Programming </a:t>
+            </a:r>
+            <a:r>
+              <a:rPr lang="en-US" sz="3600" b="1" dirty="0" smtClean="0">
+                <a:effectLst>
+                  <a:outerShdw blurRad="38100" dist="38100" dir="2700000" algn="tl">
+                    <a:srgbClr val="000000">
+                      <a:alpha val="43137"/>
+                    </a:srgbClr>
+                  </a:outerShdw>
+                </a:effectLst>
+              </a:rPr>
+              <a:t>Techniques – Example: Reduce (Fold)</a:t>
+            </a:r>
+            <a:endParaRPr lang="en-US" sz="3600" b="1" dirty="0">
+              <a:effectLst>
+                <a:outerShdw blurRad="38100" dist="38100" dir="2700000" algn="tl">
+                  <a:srgbClr val="000000">
+                    <a:alpha val="43137"/>
+                  </a:srgbClr>
+                </a:outerShdw>
+              </a:effectLst>
+            </a:endParaRPr>
           </a:p>
         </p:txBody>
       </p:sp>
@@ -11034,65 +10429,38 @@
           </a:lstStyle>
           <a:p>
             <a:r>
-              <a:rPr lang="en-US" sz="3600" b="1" dirty="0" smtClean="0"/>
-              <a:t>Functional Programming Techniques</a:t>
-            </a:r>
-            <a:endParaRPr lang="en-US" sz="3600" b="1" dirty="0"/>
-          </a:p>
-        </p:txBody>
-      </p:sp>
-      <p:sp>
-        <p:nvSpPr>
-          <p:cNvPr id="4" name="Title 1"/>
-          <p:cNvSpPr txBox="1">
-            <a:spLocks/>
-          </p:cNvSpPr>
-          <p:nvPr/>
-        </p:nvSpPr>
-        <p:spPr>
-          <a:xfrm>
-            <a:off x="7544727" y="-290817"/>
-            <a:ext cx="3714319" cy="847412"/>
-          </a:xfrm>
-          <a:prstGeom prst="rect">
-            <a:avLst/>
-          </a:prstGeom>
-        </p:spPr>
-        <p:txBody>
-          <a:bodyPr vert="horz" lIns="91440" tIns="45720" rIns="91440" bIns="45720" rtlCol="0" anchor="b">
-            <a:normAutofit/>
-          </a:bodyPr>
-          <a:lstStyle>
-            <a:lvl1pPr algn="l" defTabSz="914400" rtl="0" eaLnBrk="1" latinLnBrk="0" hangingPunct="1">
-              <a:lnSpc>
-                <a:spcPct val="85000"/>
-              </a:lnSpc>
-              <a:spcBef>
-                <a:spcPct val="0"/>
-              </a:spcBef>
-              <a:buNone/>
-              <a:defRPr sz="7200" kern="1200" spc="-50" baseline="0">
-                <a:solidFill>
-                  <a:schemeClr val="tx1"/>
-                </a:solidFill>
-                <a:latin typeface="+mj-lt"/>
-                <a:ea typeface="+mj-ea"/>
-                <a:cs typeface="+mj-cs"/>
-              </a:defRPr>
-            </a:lvl1pPr>
-          </a:lstStyle>
-          <a:p>
-            <a:pPr marL="342900" indent="-342900">
-              <a:lnSpc>
-                <a:spcPct val="150000"/>
-              </a:lnSpc>
-              <a:buFont typeface="Wingdings" panose="05000000000000000000" pitchFamily="2" charset="2"/>
-              <a:buChar char="§"/>
-            </a:pPr>
-            <a:r>
-              <a:rPr lang="en-US" sz="2000" dirty="0" smtClean="0"/>
-              <a:t>Try it yourself…</a:t>
-            </a:r>
+              <a:rPr lang="en-US" sz="3600" b="1" dirty="0" smtClean="0">
+                <a:effectLst>
+                  <a:outerShdw blurRad="38100" dist="38100" dir="2700000" algn="tl">
+                    <a:srgbClr val="000000">
+                      <a:alpha val="43137"/>
+                    </a:srgbClr>
+                  </a:outerShdw>
+                </a:effectLst>
+              </a:rPr>
+              <a:t>Functional Programming </a:t>
+            </a:r>
+            <a:r>
+              <a:rPr lang="en-US" sz="3600" b="1" dirty="0" smtClean="0">
+                <a:effectLst>
+                  <a:outerShdw blurRad="38100" dist="38100" dir="2700000" algn="tl">
+                    <a:srgbClr val="000000">
+                      <a:alpha val="43137"/>
+                    </a:srgbClr>
+                  </a:outerShdw>
+                </a:effectLst>
+              </a:rPr>
+              <a:t>Techniques – Try it yourself</a:t>
+            </a:r>
+            <a:endParaRPr lang="en-US" sz="3600" b="1" dirty="0">
+              <a:effectLst>
+                <a:outerShdw blurRad="38100" dist="38100" dir="2700000" algn="tl">
+                  <a:srgbClr val="000000">
+                    <a:alpha val="43137"/>
+                  </a:srgbClr>
+                </a:outerShdw>
+              </a:effectLst>
+            </a:endParaRPr>
           </a:p>
         </p:txBody>
       </p:sp>
@@ -11273,10 +10641,26 @@
           </a:lstStyle>
           <a:p>
             <a:r>
-              <a:rPr lang="en-US" sz="3600" b="1" dirty="0" smtClean="0"/>
+              <a:rPr lang="en-US" sz="3600" b="1" dirty="0" smtClean="0">
+                <a:effectLst>
+                  <a:outerShdw blurRad="38100" dist="38100" dir="2700000" algn="tl">
+                    <a:srgbClr val="000000">
+                      <a:alpha val="43137"/>
+                    </a:srgbClr>
+                  </a:outerShdw>
+                </a:effectLst>
+              </a:rPr>
               <a:t>Resources</a:t>
             </a:r>
-            <a:endParaRPr lang="en-US" sz="3600" b="1" dirty="0"/>
+            <a:endParaRPr lang="en-US" sz="3600" b="1" dirty="0">
+              <a:effectLst>
+                <a:outerShdw blurRad="38100" dist="38100" dir="2700000" algn="tl">
+                  <a:srgbClr val="000000">
+                    <a:alpha val="43137"/>
+                  </a:srgbClr>
+                </a:outerShdw>
+              </a:effectLst>
+            </a:endParaRPr>
           </a:p>
         </p:txBody>
       </p:sp>
@@ -11685,65 +11069,38 @@
           </a:lstStyle>
           <a:p>
             <a:r>
-              <a:rPr lang="en-US" sz="3600" b="1" dirty="0" smtClean="0"/>
-              <a:t>JavaScript Overview</a:t>
-            </a:r>
-            <a:endParaRPr lang="en-US" sz="3600" b="1" dirty="0"/>
-          </a:p>
-        </p:txBody>
-      </p:sp>
-      <p:sp>
-        <p:nvSpPr>
-          <p:cNvPr id="6" name="Title 1"/>
-          <p:cNvSpPr txBox="1">
-            <a:spLocks/>
-          </p:cNvSpPr>
-          <p:nvPr/>
-        </p:nvSpPr>
-        <p:spPr>
-          <a:xfrm>
-            <a:off x="7544728" y="-44330"/>
-            <a:ext cx="2219475" cy="630440"/>
-          </a:xfrm>
-          <a:prstGeom prst="rect">
-            <a:avLst/>
-          </a:prstGeom>
-        </p:spPr>
-        <p:txBody>
-          <a:bodyPr vert="horz" lIns="91440" tIns="45720" rIns="91440" bIns="45720" rtlCol="0" anchor="b">
-            <a:normAutofit/>
-          </a:bodyPr>
-          <a:lstStyle>
-            <a:lvl1pPr algn="l" defTabSz="914400" rtl="0" eaLnBrk="1" latinLnBrk="0" hangingPunct="1">
-              <a:lnSpc>
-                <a:spcPct val="85000"/>
-              </a:lnSpc>
-              <a:spcBef>
-                <a:spcPct val="0"/>
-              </a:spcBef>
-              <a:buNone/>
-              <a:defRPr sz="7200" kern="1200" spc="-50" baseline="0">
-                <a:solidFill>
-                  <a:schemeClr val="tx1"/>
-                </a:solidFill>
-                <a:latin typeface="+mj-lt"/>
-                <a:ea typeface="+mj-ea"/>
-                <a:cs typeface="+mj-cs"/>
-              </a:defRPr>
-            </a:lvl1pPr>
-          </a:lstStyle>
-          <a:p>
-            <a:pPr marL="342900" indent="-342900">
-              <a:lnSpc>
-                <a:spcPct val="150000"/>
-              </a:lnSpc>
-              <a:buFont typeface="Wingdings" panose="05000000000000000000" pitchFamily="2" charset="2"/>
-              <a:buChar char="§"/>
-            </a:pPr>
-            <a:r>
-              <a:rPr lang="en-US" sz="2000" dirty="0" smtClean="0"/>
-              <a:t>Type System</a:t>
-            </a:r>
+              <a:rPr lang="en-US" sz="3600" b="1" dirty="0" smtClean="0">
+                <a:effectLst>
+                  <a:outerShdw blurRad="38100" dist="38100" dir="2700000" algn="tl">
+                    <a:srgbClr val="000000">
+                      <a:alpha val="43137"/>
+                    </a:srgbClr>
+                  </a:outerShdw>
+                </a:effectLst>
+              </a:rPr>
+              <a:t>JavaScript </a:t>
+            </a:r>
+            <a:r>
+              <a:rPr lang="en-US" sz="3600" b="1" dirty="0" smtClean="0">
+                <a:effectLst>
+                  <a:outerShdw blurRad="38100" dist="38100" dir="2700000" algn="tl">
+                    <a:srgbClr val="000000">
+                      <a:alpha val="43137"/>
+                    </a:srgbClr>
+                  </a:outerShdw>
+                </a:effectLst>
+              </a:rPr>
+              <a:t>Overview – Type System</a:t>
+            </a:r>
+            <a:endParaRPr lang="en-US" sz="3600" b="1" dirty="0">
+              <a:effectLst>
+                <a:outerShdw blurRad="38100" dist="38100" dir="2700000" algn="tl">
+                  <a:srgbClr val="000000">
+                    <a:alpha val="43137"/>
+                  </a:srgbClr>
+                </a:outerShdw>
+              </a:effectLst>
+            </a:endParaRPr>
           </a:p>
         </p:txBody>
       </p:sp>
@@ -11856,69 +11213,38 @@
           </a:lstStyle>
           <a:p>
             <a:r>
-              <a:rPr lang="en-US" sz="3600" b="1" dirty="0" smtClean="0"/>
-              <a:t>JavaScript Overview</a:t>
-            </a:r>
-            <a:endParaRPr lang="en-US" sz="3600" b="1" dirty="0"/>
-          </a:p>
-        </p:txBody>
-      </p:sp>
-      <p:sp>
-        <p:nvSpPr>
-          <p:cNvPr id="6" name="Title 1"/>
-          <p:cNvSpPr txBox="1">
-            <a:spLocks/>
-          </p:cNvSpPr>
-          <p:nvPr/>
-        </p:nvSpPr>
-        <p:spPr>
-          <a:xfrm>
-            <a:off x="7536778" y="-532182"/>
-            <a:ext cx="3038458" cy="1133659"/>
-          </a:xfrm>
-          <a:prstGeom prst="rect">
-            <a:avLst/>
-          </a:prstGeom>
-        </p:spPr>
-        <p:txBody>
-          <a:bodyPr vert="horz" lIns="91440" tIns="45720" rIns="91440" bIns="45720" rtlCol="0" anchor="b">
-            <a:noAutofit/>
-          </a:bodyPr>
-          <a:lstStyle>
-            <a:lvl1pPr algn="l" defTabSz="914400" rtl="0" eaLnBrk="1" latinLnBrk="0" hangingPunct="1">
-              <a:lnSpc>
-                <a:spcPct val="85000"/>
-              </a:lnSpc>
-              <a:spcBef>
-                <a:spcPct val="0"/>
-              </a:spcBef>
-              <a:buNone/>
-              <a:defRPr sz="7200" kern="1200" spc="-50" baseline="0">
-                <a:solidFill>
-                  <a:schemeClr val="tx1"/>
-                </a:solidFill>
-                <a:latin typeface="+mj-lt"/>
-                <a:ea typeface="+mj-ea"/>
-                <a:cs typeface="+mj-cs"/>
-              </a:defRPr>
-            </a:lvl1pPr>
-          </a:lstStyle>
-          <a:p>
-            <a:pPr marL="342900" indent="-342900">
-              <a:lnSpc>
-                <a:spcPct val="150000"/>
-              </a:lnSpc>
-              <a:buFont typeface="Wingdings" panose="05000000000000000000" pitchFamily="2" charset="2"/>
-              <a:buChar char="§"/>
-            </a:pPr>
-            <a:r>
-              <a:rPr lang="en-US" sz="2000" dirty="0" smtClean="0"/>
-              <a:t>Primitive</a:t>
-            </a:r>
-            <a:r>
-              <a:rPr lang="en-US" sz="1800" dirty="0" smtClean="0"/>
-              <a:t> Values</a:t>
-            </a:r>
+              <a:rPr lang="en-US" sz="3600" b="1" dirty="0" smtClean="0">
+                <a:effectLst>
+                  <a:outerShdw blurRad="38100" dist="38100" dir="2700000" algn="tl">
+                    <a:srgbClr val="000000">
+                      <a:alpha val="43137"/>
+                    </a:srgbClr>
+                  </a:outerShdw>
+                </a:effectLst>
+              </a:rPr>
+              <a:t>JavaScript </a:t>
+            </a:r>
+            <a:r>
+              <a:rPr lang="en-US" sz="3600" b="1" dirty="0" smtClean="0">
+                <a:effectLst>
+                  <a:outerShdw blurRad="38100" dist="38100" dir="2700000" algn="tl">
+                    <a:srgbClr val="000000">
+                      <a:alpha val="43137"/>
+                    </a:srgbClr>
+                  </a:outerShdw>
+                </a:effectLst>
+              </a:rPr>
+              <a:t>Overview – Primitive Values</a:t>
+            </a:r>
+            <a:endParaRPr lang="en-US" sz="3600" b="1" dirty="0">
+              <a:effectLst>
+                <a:outerShdw blurRad="38100" dist="38100" dir="2700000" algn="tl">
+                  <a:srgbClr val="000000">
+                    <a:alpha val="43137"/>
+                  </a:srgbClr>
+                </a:outerShdw>
+              </a:effectLst>
+            </a:endParaRPr>
           </a:p>
         </p:txBody>
       </p:sp>
@@ -12031,65 +11357,38 @@
           </a:lstStyle>
           <a:p>
             <a:r>
-              <a:rPr lang="en-US" sz="3600" b="1" dirty="0" smtClean="0"/>
-              <a:t>JavaScript Overview</a:t>
-            </a:r>
-            <a:endParaRPr lang="en-US" sz="3600" b="1" dirty="0"/>
-          </a:p>
-        </p:txBody>
-      </p:sp>
-      <p:sp>
-        <p:nvSpPr>
-          <p:cNvPr id="6" name="Title 1"/>
-          <p:cNvSpPr txBox="1">
-            <a:spLocks/>
-          </p:cNvSpPr>
-          <p:nvPr/>
-        </p:nvSpPr>
-        <p:spPr>
-          <a:xfrm>
-            <a:off x="7544728" y="-44331"/>
-            <a:ext cx="3125922" cy="630441"/>
-          </a:xfrm>
-          <a:prstGeom prst="rect">
-            <a:avLst/>
-          </a:prstGeom>
-        </p:spPr>
-        <p:txBody>
-          <a:bodyPr vert="horz" lIns="91440" tIns="45720" rIns="91440" bIns="45720" rtlCol="0" anchor="b">
-            <a:normAutofit/>
-          </a:bodyPr>
-          <a:lstStyle>
-            <a:lvl1pPr algn="l" defTabSz="914400" rtl="0" eaLnBrk="1" latinLnBrk="0" hangingPunct="1">
-              <a:lnSpc>
-                <a:spcPct val="85000"/>
-              </a:lnSpc>
-              <a:spcBef>
-                <a:spcPct val="0"/>
-              </a:spcBef>
-              <a:buNone/>
-              <a:defRPr sz="7200" kern="1200" spc="-50" baseline="0">
-                <a:solidFill>
-                  <a:schemeClr val="tx1"/>
-                </a:solidFill>
-                <a:latin typeface="+mj-lt"/>
-                <a:ea typeface="+mj-ea"/>
-                <a:cs typeface="+mj-cs"/>
-              </a:defRPr>
-            </a:lvl1pPr>
-          </a:lstStyle>
-          <a:p>
-            <a:pPr marL="342900" indent="-342900">
-              <a:lnSpc>
-                <a:spcPct val="150000"/>
-              </a:lnSpc>
-              <a:buFont typeface="Wingdings" panose="05000000000000000000" pitchFamily="2" charset="2"/>
-              <a:buChar char="§"/>
-            </a:pPr>
-            <a:r>
-              <a:rPr lang="en-US" sz="2000" dirty="0" smtClean="0"/>
-              <a:t>Objects</a:t>
-            </a:r>
+              <a:rPr lang="en-US" sz="3600" b="1" dirty="0" smtClean="0">
+                <a:effectLst>
+                  <a:outerShdw blurRad="38100" dist="38100" dir="2700000" algn="tl">
+                    <a:srgbClr val="000000">
+                      <a:alpha val="43137"/>
+                    </a:srgbClr>
+                  </a:outerShdw>
+                </a:effectLst>
+              </a:rPr>
+              <a:t>JavaScript </a:t>
+            </a:r>
+            <a:r>
+              <a:rPr lang="en-US" sz="3600" b="1" dirty="0" smtClean="0">
+                <a:effectLst>
+                  <a:outerShdw blurRad="38100" dist="38100" dir="2700000" algn="tl">
+                    <a:srgbClr val="000000">
+                      <a:alpha val="43137"/>
+                    </a:srgbClr>
+                  </a:outerShdw>
+                </a:effectLst>
+              </a:rPr>
+              <a:t>Overview - Objects</a:t>
+            </a:r>
+            <a:endParaRPr lang="en-US" sz="3600" b="1" dirty="0">
+              <a:effectLst>
+                <a:outerShdw blurRad="38100" dist="38100" dir="2700000" algn="tl">
+                  <a:srgbClr val="000000">
+                    <a:alpha val="43137"/>
+                  </a:srgbClr>
+                </a:outerShdw>
+              </a:effectLst>
+            </a:endParaRPr>
           </a:p>
         </p:txBody>
       </p:sp>
@@ -12202,65 +11501,38 @@
           </a:lstStyle>
           <a:p>
             <a:r>
-              <a:rPr lang="en-US" sz="3600" b="1" dirty="0" smtClean="0"/>
-              <a:t>JavaScript Overview</a:t>
-            </a:r>
-            <a:endParaRPr lang="en-US" sz="3600" b="1" dirty="0"/>
-          </a:p>
-        </p:txBody>
-      </p:sp>
-      <p:sp>
-        <p:nvSpPr>
-          <p:cNvPr id="6" name="Title 1"/>
-          <p:cNvSpPr txBox="1">
-            <a:spLocks/>
-          </p:cNvSpPr>
-          <p:nvPr/>
-        </p:nvSpPr>
-        <p:spPr>
-          <a:xfrm>
-            <a:off x="7544728" y="-44331"/>
-            <a:ext cx="3125922" cy="630441"/>
-          </a:xfrm>
-          <a:prstGeom prst="rect">
-            <a:avLst/>
-          </a:prstGeom>
-        </p:spPr>
-        <p:txBody>
-          <a:bodyPr vert="horz" lIns="91440" tIns="45720" rIns="91440" bIns="45720" rtlCol="0" anchor="b">
-            <a:normAutofit/>
-          </a:bodyPr>
-          <a:lstStyle>
-            <a:lvl1pPr algn="l" defTabSz="914400" rtl="0" eaLnBrk="1" latinLnBrk="0" hangingPunct="1">
-              <a:lnSpc>
-                <a:spcPct val="85000"/>
-              </a:lnSpc>
-              <a:spcBef>
-                <a:spcPct val="0"/>
-              </a:spcBef>
-              <a:buNone/>
-              <a:defRPr sz="7200" kern="1200" spc="-50" baseline="0">
-                <a:solidFill>
-                  <a:schemeClr val="tx1"/>
-                </a:solidFill>
-                <a:latin typeface="+mj-lt"/>
-                <a:ea typeface="+mj-ea"/>
-                <a:cs typeface="+mj-cs"/>
-              </a:defRPr>
-            </a:lvl1pPr>
-          </a:lstStyle>
-          <a:p>
-            <a:pPr marL="342900" indent="-342900">
-              <a:lnSpc>
-                <a:spcPct val="150000"/>
-              </a:lnSpc>
-              <a:buFont typeface="Wingdings" panose="05000000000000000000" pitchFamily="2" charset="2"/>
-              <a:buChar char="§"/>
-            </a:pPr>
-            <a:r>
-              <a:rPr lang="en-US" sz="2000" dirty="0" smtClean="0"/>
-              <a:t>Objects</a:t>
-            </a:r>
+              <a:rPr lang="en-US" sz="3600" b="1" dirty="0" smtClean="0">
+                <a:effectLst>
+                  <a:outerShdw blurRad="38100" dist="38100" dir="2700000" algn="tl">
+                    <a:srgbClr val="000000">
+                      <a:alpha val="43137"/>
+                    </a:srgbClr>
+                  </a:outerShdw>
+                </a:effectLst>
+              </a:rPr>
+              <a:t>JavaScript </a:t>
+            </a:r>
+            <a:r>
+              <a:rPr lang="en-US" sz="3600" b="1" dirty="0" smtClean="0">
+                <a:effectLst>
+                  <a:outerShdw blurRad="38100" dist="38100" dir="2700000" algn="tl">
+                    <a:srgbClr val="000000">
+                      <a:alpha val="43137"/>
+                    </a:srgbClr>
+                  </a:outerShdw>
+                </a:effectLst>
+              </a:rPr>
+              <a:t>Overview - Objects</a:t>
+            </a:r>
+            <a:endParaRPr lang="en-US" sz="3600" b="1" dirty="0">
+              <a:effectLst>
+                <a:outerShdw blurRad="38100" dist="38100" dir="2700000" algn="tl">
+                  <a:srgbClr val="000000">
+                    <a:alpha val="43137"/>
+                  </a:srgbClr>
+                </a:outerShdw>
+              </a:effectLst>
+            </a:endParaRPr>
           </a:p>
         </p:txBody>
       </p:sp>
@@ -12373,65 +11645,38 @@
           </a:lstStyle>
           <a:p>
             <a:r>
-              <a:rPr lang="en-US" sz="3600" b="1" dirty="0" smtClean="0"/>
-              <a:t>JavaScript Overview</a:t>
-            </a:r>
-            <a:endParaRPr lang="en-US" sz="3600" b="1" dirty="0"/>
-          </a:p>
-        </p:txBody>
-      </p:sp>
-      <p:sp>
-        <p:nvSpPr>
-          <p:cNvPr id="6" name="Title 1"/>
-          <p:cNvSpPr txBox="1">
-            <a:spLocks/>
-          </p:cNvSpPr>
-          <p:nvPr/>
-        </p:nvSpPr>
-        <p:spPr>
-          <a:xfrm>
-            <a:off x="7544728" y="-44330"/>
-            <a:ext cx="2219475" cy="630440"/>
-          </a:xfrm>
-          <a:prstGeom prst="rect">
-            <a:avLst/>
-          </a:prstGeom>
-        </p:spPr>
-        <p:txBody>
-          <a:bodyPr vert="horz" lIns="91440" tIns="45720" rIns="91440" bIns="45720" rtlCol="0" anchor="b">
-            <a:normAutofit/>
-          </a:bodyPr>
-          <a:lstStyle>
-            <a:lvl1pPr algn="l" defTabSz="914400" rtl="0" eaLnBrk="1" latinLnBrk="0" hangingPunct="1">
-              <a:lnSpc>
-                <a:spcPct val="85000"/>
-              </a:lnSpc>
-              <a:spcBef>
-                <a:spcPct val="0"/>
-              </a:spcBef>
-              <a:buNone/>
-              <a:defRPr sz="7200" kern="1200" spc="-50" baseline="0">
-                <a:solidFill>
-                  <a:schemeClr val="tx1"/>
-                </a:solidFill>
-                <a:latin typeface="+mj-lt"/>
-                <a:ea typeface="+mj-ea"/>
-                <a:cs typeface="+mj-cs"/>
-              </a:defRPr>
-            </a:lvl1pPr>
-          </a:lstStyle>
-          <a:p>
-            <a:pPr marL="342900" indent="-342900">
-              <a:lnSpc>
-                <a:spcPct val="150000"/>
-              </a:lnSpc>
-              <a:buFont typeface="Wingdings" panose="05000000000000000000" pitchFamily="2" charset="2"/>
-              <a:buChar char="§"/>
-            </a:pPr>
-            <a:r>
-              <a:rPr lang="en-US" sz="2000" dirty="0" smtClean="0"/>
-              <a:t>Inheritance</a:t>
-            </a:r>
+              <a:rPr lang="en-US" sz="3600" b="1" dirty="0" smtClean="0">
+                <a:effectLst>
+                  <a:outerShdw blurRad="38100" dist="38100" dir="2700000" algn="tl">
+                    <a:srgbClr val="000000">
+                      <a:alpha val="43137"/>
+                    </a:srgbClr>
+                  </a:outerShdw>
+                </a:effectLst>
+              </a:rPr>
+              <a:t>JavaScript </a:t>
+            </a:r>
+            <a:r>
+              <a:rPr lang="en-US" sz="3600" b="1" dirty="0" smtClean="0">
+                <a:effectLst>
+                  <a:outerShdw blurRad="38100" dist="38100" dir="2700000" algn="tl">
+                    <a:srgbClr val="000000">
+                      <a:alpha val="43137"/>
+                    </a:srgbClr>
+                  </a:outerShdw>
+                </a:effectLst>
+              </a:rPr>
+              <a:t>Overview - Inheritance</a:t>
+            </a:r>
+            <a:endParaRPr lang="en-US" sz="3600" b="1" dirty="0">
+              <a:effectLst>
+                <a:outerShdw blurRad="38100" dist="38100" dir="2700000" algn="tl">
+                  <a:srgbClr val="000000">
+                    <a:alpha val="43137"/>
+                  </a:srgbClr>
+                </a:outerShdw>
+              </a:effectLst>
+            </a:endParaRPr>
           </a:p>
         </p:txBody>
       </p:sp>
